--- a/Slides/Lecture08 - ASP.NET Core Web API part deux.pptx
+++ b/Slides/Lecture08 - ASP.NET Core Web API part deux.pptx
@@ -5,19 +5,28 @@
     <p:sldMasterId id="2147484229" r:id="rId1"/>
   </p:sldMasterIdLst>
   <p:notesMasterIdLst>
-    <p:notesMasterId r:id="rId9"/>
+    <p:notesMasterId r:id="rId18"/>
   </p:notesMasterIdLst>
   <p:handoutMasterIdLst>
-    <p:handoutMasterId r:id="rId10"/>
+    <p:handoutMasterId r:id="rId19"/>
   </p:handoutMasterIdLst>
   <p:sldIdLst>
     <p:sldId id="2076138457" r:id="rId2"/>
     <p:sldId id="2076138514" r:id="rId3"/>
     <p:sldId id="2076138517" r:id="rId4"/>
-    <p:sldId id="1739" r:id="rId5"/>
-    <p:sldId id="1740" r:id="rId6"/>
-    <p:sldId id="2076138515" r:id="rId7"/>
-    <p:sldId id="2076138516" r:id="rId8"/>
+    <p:sldId id="2076138518" r:id="rId5"/>
+    <p:sldId id="1666" r:id="rId6"/>
+    <p:sldId id="1670" r:id="rId7"/>
+    <p:sldId id="1686" r:id="rId8"/>
+    <p:sldId id="1671" r:id="rId9"/>
+    <p:sldId id="1672" r:id="rId10"/>
+    <p:sldId id="1684" r:id="rId11"/>
+    <p:sldId id="1676" r:id="rId12"/>
+    <p:sldId id="2076138520" r:id="rId13"/>
+    <p:sldId id="1739" r:id="rId14"/>
+    <p:sldId id="1740" r:id="rId15"/>
+    <p:sldId id="2076138515" r:id="rId16"/>
+    <p:sldId id="2076138516" r:id="rId17"/>
   </p:sldIdLst>
   <p:sldSz cx="12192000" cy="6858000"/>
   <p:notesSz cx="6858000" cy="9144000"/>
@@ -241,7 +250,7 @@
               <a:rPr lang="en-US" smtClean="0">
                 <a:latin typeface="Segoe UI" pitchFamily="34" charset="0"/>
               </a:rPr>
-              <a:t>10/27/2021 7:04 PM</a:t>
+              <a:t>10/28/2021 10:49 PM</a:t>
             </a:fld>
             <a:endParaRPr lang="en-US" dirty="0">
               <a:latin typeface="Segoe UI" pitchFamily="34" charset="0"/>
@@ -519,7 +528,7 @@
           <a:p>
             <a:fld id="{386CE63F-9E7F-4C04-9D0D-FCA25A8E9E86}" type="datetime8">
               <a:rPr lang="en-US" smtClean="0"/>
-              <a:t>10/27/2021 7:04 PM</a:t>
+              <a:t>10/28/2021 10:45 PM</a:t>
             </a:fld>
             <a:endParaRPr lang="en-US" dirty="0"/>
           </a:p>
@@ -4824,245 +4833,6 @@
 
 <file path=ppt/slideLayouts/slideLayout118.xml><?xml version="1.0" encoding="utf-8"?>
 <p:sldLayout xmlns:a="http://schemas.openxmlformats.org/drawingml/2006/main" xmlns:r="http://schemas.openxmlformats.org/officeDocument/2006/relationships" xmlns:p="http://schemas.openxmlformats.org/presentationml/2006/main" preserve="1" userDrawn="1">
-  <p:cSld name="3_Developer Code Layout">
-    <p:spTree>
-      <p:nvGrpSpPr>
-        <p:cNvPr id="1" name=""/>
-        <p:cNvGrpSpPr/>
-        <p:nvPr/>
-      </p:nvGrpSpPr>
-      <p:grpSpPr>
-        <a:xfrm>
-          <a:off x="0" y="0"/>
-          <a:ext cx="0" cy="0"/>
-          <a:chOff x="0" y="0"/>
-          <a:chExt cx="0" cy="0"/>
-        </a:xfrm>
-      </p:grpSpPr>
-      <p:sp>
-        <p:nvSpPr>
-          <p:cNvPr id="3" name="Title 2">
-            <a:extLst>
-              <a:ext uri="{FF2B5EF4-FFF2-40B4-BE49-F238E27FC236}">
-                <a16:creationId xmlns:a16="http://schemas.microsoft.com/office/drawing/2014/main" id="{8D0DF2A6-26A8-4810-95DF-F65F123C6660}"/>
-              </a:ext>
-            </a:extLst>
-          </p:cNvPr>
-          <p:cNvSpPr>
-            <a:spLocks noGrp="1"/>
-          </p:cNvSpPr>
-          <p:nvPr>
-            <p:ph type="title" hasCustomPrompt="1"/>
-          </p:nvPr>
-        </p:nvSpPr>
-        <p:spPr/>
-        <p:txBody>
-          <a:bodyPr/>
-          <a:lstStyle>
-            <a:lvl1pPr>
-              <a:defRPr/>
-            </a:lvl1pPr>
-          </a:lstStyle>
-          <a:p>
-            <a:r>
-              <a:rPr lang="en-US" dirty="0"/>
-              <a:t>Software code slide</a:t>
-            </a:r>
-          </a:p>
-        </p:txBody>
-      </p:sp>
-      <p:sp>
-        <p:nvSpPr>
-          <p:cNvPr id="5" name="Text Placeholder 4" descr="This layout should only be used for developer code. The font used is a monospace font which is ideal for showing code.">
-            <a:extLst>
-              <a:ext uri="{FF2B5EF4-FFF2-40B4-BE49-F238E27FC236}">
-                <a16:creationId xmlns:a16="http://schemas.microsoft.com/office/drawing/2014/main" id="{BA9F61CF-FF79-485A-A6C8-A1952EFD58AE}"/>
-              </a:ext>
-            </a:extLst>
-          </p:cNvPr>
-          <p:cNvSpPr>
-            <a:spLocks noGrp="1"/>
-          </p:cNvSpPr>
-          <p:nvPr>
-            <p:ph type="body" sz="quarter" idx="10"/>
-          </p:nvPr>
-        </p:nvSpPr>
-        <p:spPr>
-          <a:xfrm>
-            <a:off x="588263" y="1436688"/>
-            <a:ext cx="11018520" cy="1908215"/>
-          </a:xfrm>
-        </p:spPr>
-        <p:txBody>
-          <a:bodyPr/>
-          <a:lstStyle>
-            <a:lvl1pPr marL="0" indent="0">
-              <a:buNone/>
-              <a:defRPr sz="2800">
-                <a:gradFill>
-                  <a:gsLst>
-                    <a:gs pos="61049">
-                      <a:schemeClr val="tx1"/>
-                    </a:gs>
-                    <a:gs pos="43000">
-                      <a:schemeClr val="tx1"/>
-                    </a:gs>
-                  </a:gsLst>
-                  <a:lin ang="5400000" scaled="0"/>
-                </a:gradFill>
-                <a:latin typeface="Consolas" panose="020B0609020204030204" pitchFamily="49" charset="0"/>
-                <a:cs typeface="Consolas" panose="020B0609020204030204" pitchFamily="49" charset="0"/>
-              </a:defRPr>
-            </a:lvl1pPr>
-            <a:lvl2pPr marL="346553" indent="0">
-              <a:buNone/>
-              <a:defRPr sz="2400">
-                <a:gradFill>
-                  <a:gsLst>
-                    <a:gs pos="61049">
-                      <a:schemeClr val="tx1"/>
-                    </a:gs>
-                    <a:gs pos="43000">
-                      <a:schemeClr val="tx1"/>
-                    </a:gs>
-                  </a:gsLst>
-                  <a:lin ang="5400000" scaled="0"/>
-                </a:gradFill>
-                <a:latin typeface="Consolas" panose="020B0609020204030204" pitchFamily="49" charset="0"/>
-                <a:cs typeface="Consolas" panose="020B0609020204030204" pitchFamily="49" charset="0"/>
-              </a:defRPr>
-            </a:lvl2pPr>
-            <a:lvl3pPr marL="584607" indent="0">
-              <a:buNone/>
-              <a:defRPr sz="2000">
-                <a:gradFill>
-                  <a:gsLst>
-                    <a:gs pos="61049">
-                      <a:schemeClr val="tx1"/>
-                    </a:gs>
-                    <a:gs pos="43000">
-                      <a:schemeClr val="tx1"/>
-                    </a:gs>
-                  </a:gsLst>
-                  <a:lin ang="5400000" scaled="0"/>
-                </a:gradFill>
-                <a:latin typeface="Consolas" panose="020B0609020204030204" pitchFamily="49" charset="0"/>
-                <a:cs typeface="Consolas" panose="020B0609020204030204" pitchFamily="49" charset="0"/>
-              </a:defRPr>
-            </a:lvl3pPr>
-            <a:lvl4pPr marL="814563" indent="0">
-              <a:buNone/>
-              <a:defRPr sz="1800">
-                <a:gradFill>
-                  <a:gsLst>
-                    <a:gs pos="61049">
-                      <a:schemeClr val="tx1"/>
-                    </a:gs>
-                    <a:gs pos="43000">
-                      <a:schemeClr val="tx1"/>
-                    </a:gs>
-                  </a:gsLst>
-                  <a:lin ang="5400000" scaled="0"/>
-                </a:gradFill>
-                <a:latin typeface="Consolas" panose="020B0609020204030204" pitchFamily="49" charset="0"/>
-                <a:cs typeface="Consolas" panose="020B0609020204030204" pitchFamily="49" charset="0"/>
-              </a:defRPr>
-            </a:lvl4pPr>
-            <a:lvl5pPr marL="1050997" indent="0">
-              <a:buNone/>
-              <a:defRPr sz="1800">
-                <a:gradFill>
-                  <a:gsLst>
-                    <a:gs pos="61049">
-                      <a:schemeClr val="tx1"/>
-                    </a:gs>
-                    <a:gs pos="43000">
-                      <a:schemeClr val="tx1"/>
-                    </a:gs>
-                  </a:gsLst>
-                  <a:lin ang="5400000" scaled="0"/>
-                </a:gradFill>
-                <a:latin typeface="Consolas" panose="020B0609020204030204" pitchFamily="49" charset="0"/>
-                <a:cs typeface="Consolas" panose="020B0609020204030204" pitchFamily="49" charset="0"/>
-              </a:defRPr>
-            </a:lvl5pPr>
-          </a:lstStyle>
-          <a:p>
-            <a:pPr lvl="0"/>
-            <a:r>
-              <a:rPr lang="en-US" dirty="0"/>
-              <a:t>Edit Master text styles</a:t>
-            </a:r>
-          </a:p>
-          <a:p>
-            <a:pPr lvl="1"/>
-            <a:r>
-              <a:rPr lang="en-US" dirty="0"/>
-              <a:t>Second level</a:t>
-            </a:r>
-          </a:p>
-          <a:p>
-            <a:pPr lvl="2"/>
-            <a:r>
-              <a:rPr lang="en-US" dirty="0"/>
-              <a:t>Third level</a:t>
-            </a:r>
-          </a:p>
-          <a:p>
-            <a:pPr lvl="3"/>
-            <a:r>
-              <a:rPr lang="en-US" dirty="0"/>
-              <a:t>Fourth level</a:t>
-            </a:r>
-          </a:p>
-          <a:p>
-            <a:pPr lvl="4"/>
-            <a:r>
-              <a:rPr lang="en-US" dirty="0"/>
-              <a:t>Fifth level</a:t>
-            </a:r>
-          </a:p>
-        </p:txBody>
-      </p:sp>
-    </p:spTree>
-    <p:extLst>
-      <p:ext uri="{BB962C8B-B14F-4D97-AF65-F5344CB8AC3E}">
-        <p14:creationId xmlns:p14="http://schemas.microsoft.com/office/powerpoint/2010/main" val="3257866385"/>
-      </p:ext>
-    </p:extLst>
-  </p:cSld>
-  <p:clrMapOvr>
-    <a:masterClrMapping/>
-  </p:clrMapOvr>
-  <p:transition>
-    <p:fade/>
-  </p:transition>
-  <p:extLst>
-    <p:ext uri="{DCECCB84-F9BA-43D5-87BE-67443E8EF086}">
-      <p15:sldGuideLst xmlns:p15="http://schemas.microsoft.com/office/powerpoint/2012/main">
-        <p15:guide id="1" orient="horz" pos="1272">
-          <p15:clr>
-            <a:srgbClr val="5ACBF0"/>
-          </p15:clr>
-        </p15:guide>
-        <p15:guide id="2" orient="horz" pos="905">
-          <p15:clr>
-            <a:srgbClr val="5ACBF0"/>
-          </p15:clr>
-        </p15:guide>
-        <p15:guide id="3" orient="horz" pos="288">
-          <p15:clr>
-            <a:srgbClr val="5ACBF0"/>
-          </p15:clr>
-        </p15:guide>
-      </p15:sldGuideLst>
-    </p:ext>
-  </p:extLst>
-</p:sldLayout>
-</file>
-
-<file path=ppt/slideLayouts/slideLayout119.xml><?xml version="1.0" encoding="utf-8"?>
-<p:sldLayout xmlns:a="http://schemas.openxmlformats.org/drawingml/2006/main" xmlns:r="http://schemas.openxmlformats.org/officeDocument/2006/relationships" xmlns:p="http://schemas.openxmlformats.org/presentationml/2006/main" preserve="1" userDrawn="1">
   <p:cSld name="5_Title and text side by side 3">
     <p:spTree>
       <p:nvGrpSpPr>
@@ -5540,245 +5310,6 @@
           </p15:clr>
         </p15:guide>
         <p15:guide id="5" pos="4024">
-          <p15:clr>
-            <a:srgbClr val="5ACBF0"/>
-          </p15:clr>
-        </p15:guide>
-      </p15:sldGuideLst>
-    </p:ext>
-  </p:extLst>
-</p:sldLayout>
-</file>
-
-<file path=ppt/slideLayouts/slideLayout120.xml><?xml version="1.0" encoding="utf-8"?>
-<p:sldLayout xmlns:a="http://schemas.openxmlformats.org/drawingml/2006/main" xmlns:r="http://schemas.openxmlformats.org/officeDocument/2006/relationships" xmlns:p="http://schemas.openxmlformats.org/presentationml/2006/main" preserve="1" userDrawn="1">
-  <p:cSld name="4_Developer Code Layout">
-    <p:spTree>
-      <p:nvGrpSpPr>
-        <p:cNvPr id="1" name=""/>
-        <p:cNvGrpSpPr/>
-        <p:nvPr/>
-      </p:nvGrpSpPr>
-      <p:grpSpPr>
-        <a:xfrm>
-          <a:off x="0" y="0"/>
-          <a:ext cx="0" cy="0"/>
-          <a:chOff x="0" y="0"/>
-          <a:chExt cx="0" cy="0"/>
-        </a:xfrm>
-      </p:grpSpPr>
-      <p:sp>
-        <p:nvSpPr>
-          <p:cNvPr id="3" name="Title 2">
-            <a:extLst>
-              <a:ext uri="{FF2B5EF4-FFF2-40B4-BE49-F238E27FC236}">
-                <a16:creationId xmlns:a16="http://schemas.microsoft.com/office/drawing/2014/main" id="{8D0DF2A6-26A8-4810-95DF-F65F123C6660}"/>
-              </a:ext>
-            </a:extLst>
-          </p:cNvPr>
-          <p:cNvSpPr>
-            <a:spLocks noGrp="1"/>
-          </p:cNvSpPr>
-          <p:nvPr>
-            <p:ph type="title" hasCustomPrompt="1"/>
-          </p:nvPr>
-        </p:nvSpPr>
-        <p:spPr/>
-        <p:txBody>
-          <a:bodyPr/>
-          <a:lstStyle>
-            <a:lvl1pPr>
-              <a:defRPr/>
-            </a:lvl1pPr>
-          </a:lstStyle>
-          <a:p>
-            <a:r>
-              <a:rPr lang="en-US" dirty="0"/>
-              <a:t>Software code slide</a:t>
-            </a:r>
-          </a:p>
-        </p:txBody>
-      </p:sp>
-      <p:sp>
-        <p:nvSpPr>
-          <p:cNvPr id="5" name="Text Placeholder 4" descr="This layout should only be used for developer code. The font used is a monospace font which is ideal for showing code.">
-            <a:extLst>
-              <a:ext uri="{FF2B5EF4-FFF2-40B4-BE49-F238E27FC236}">
-                <a16:creationId xmlns:a16="http://schemas.microsoft.com/office/drawing/2014/main" id="{BA9F61CF-FF79-485A-A6C8-A1952EFD58AE}"/>
-              </a:ext>
-            </a:extLst>
-          </p:cNvPr>
-          <p:cNvSpPr>
-            <a:spLocks noGrp="1"/>
-          </p:cNvSpPr>
-          <p:nvPr>
-            <p:ph type="body" sz="quarter" idx="10"/>
-          </p:nvPr>
-        </p:nvSpPr>
-        <p:spPr>
-          <a:xfrm>
-            <a:off x="588263" y="1436688"/>
-            <a:ext cx="11018520" cy="1908215"/>
-          </a:xfrm>
-        </p:spPr>
-        <p:txBody>
-          <a:bodyPr/>
-          <a:lstStyle>
-            <a:lvl1pPr marL="0" indent="0">
-              <a:buNone/>
-              <a:defRPr sz="2800">
-                <a:gradFill>
-                  <a:gsLst>
-                    <a:gs pos="61049">
-                      <a:schemeClr val="tx1"/>
-                    </a:gs>
-                    <a:gs pos="43000">
-                      <a:schemeClr val="tx1"/>
-                    </a:gs>
-                  </a:gsLst>
-                  <a:lin ang="5400000" scaled="0"/>
-                </a:gradFill>
-                <a:latin typeface="Consolas" panose="020B0609020204030204" pitchFamily="49" charset="0"/>
-                <a:cs typeface="Consolas" panose="020B0609020204030204" pitchFamily="49" charset="0"/>
-              </a:defRPr>
-            </a:lvl1pPr>
-            <a:lvl2pPr marL="346553" indent="0">
-              <a:buNone/>
-              <a:defRPr sz="2400">
-                <a:gradFill>
-                  <a:gsLst>
-                    <a:gs pos="61049">
-                      <a:schemeClr val="tx1"/>
-                    </a:gs>
-                    <a:gs pos="43000">
-                      <a:schemeClr val="tx1"/>
-                    </a:gs>
-                  </a:gsLst>
-                  <a:lin ang="5400000" scaled="0"/>
-                </a:gradFill>
-                <a:latin typeface="Consolas" panose="020B0609020204030204" pitchFamily="49" charset="0"/>
-                <a:cs typeface="Consolas" panose="020B0609020204030204" pitchFamily="49" charset="0"/>
-              </a:defRPr>
-            </a:lvl2pPr>
-            <a:lvl3pPr marL="584607" indent="0">
-              <a:buNone/>
-              <a:defRPr sz="2000">
-                <a:gradFill>
-                  <a:gsLst>
-                    <a:gs pos="61049">
-                      <a:schemeClr val="tx1"/>
-                    </a:gs>
-                    <a:gs pos="43000">
-                      <a:schemeClr val="tx1"/>
-                    </a:gs>
-                  </a:gsLst>
-                  <a:lin ang="5400000" scaled="0"/>
-                </a:gradFill>
-                <a:latin typeface="Consolas" panose="020B0609020204030204" pitchFamily="49" charset="0"/>
-                <a:cs typeface="Consolas" panose="020B0609020204030204" pitchFamily="49" charset="0"/>
-              </a:defRPr>
-            </a:lvl3pPr>
-            <a:lvl4pPr marL="814563" indent="0">
-              <a:buNone/>
-              <a:defRPr sz="1800">
-                <a:gradFill>
-                  <a:gsLst>
-                    <a:gs pos="61049">
-                      <a:schemeClr val="tx1"/>
-                    </a:gs>
-                    <a:gs pos="43000">
-                      <a:schemeClr val="tx1"/>
-                    </a:gs>
-                  </a:gsLst>
-                  <a:lin ang="5400000" scaled="0"/>
-                </a:gradFill>
-                <a:latin typeface="Consolas" panose="020B0609020204030204" pitchFamily="49" charset="0"/>
-                <a:cs typeface="Consolas" panose="020B0609020204030204" pitchFamily="49" charset="0"/>
-              </a:defRPr>
-            </a:lvl4pPr>
-            <a:lvl5pPr marL="1050997" indent="0">
-              <a:buNone/>
-              <a:defRPr sz="1800">
-                <a:gradFill>
-                  <a:gsLst>
-                    <a:gs pos="61049">
-                      <a:schemeClr val="tx1"/>
-                    </a:gs>
-                    <a:gs pos="43000">
-                      <a:schemeClr val="tx1"/>
-                    </a:gs>
-                  </a:gsLst>
-                  <a:lin ang="5400000" scaled="0"/>
-                </a:gradFill>
-                <a:latin typeface="Consolas" panose="020B0609020204030204" pitchFamily="49" charset="0"/>
-                <a:cs typeface="Consolas" panose="020B0609020204030204" pitchFamily="49" charset="0"/>
-              </a:defRPr>
-            </a:lvl5pPr>
-          </a:lstStyle>
-          <a:p>
-            <a:pPr lvl="0"/>
-            <a:r>
-              <a:rPr lang="en-US" dirty="0"/>
-              <a:t>Edit Master text styles</a:t>
-            </a:r>
-          </a:p>
-          <a:p>
-            <a:pPr lvl="1"/>
-            <a:r>
-              <a:rPr lang="en-US" dirty="0"/>
-              <a:t>Second level</a:t>
-            </a:r>
-          </a:p>
-          <a:p>
-            <a:pPr lvl="2"/>
-            <a:r>
-              <a:rPr lang="en-US" dirty="0"/>
-              <a:t>Third level</a:t>
-            </a:r>
-          </a:p>
-          <a:p>
-            <a:pPr lvl="3"/>
-            <a:r>
-              <a:rPr lang="en-US" dirty="0"/>
-              <a:t>Fourth level</a:t>
-            </a:r>
-          </a:p>
-          <a:p>
-            <a:pPr lvl="4"/>
-            <a:r>
-              <a:rPr lang="en-US" dirty="0"/>
-              <a:t>Fifth level</a:t>
-            </a:r>
-          </a:p>
-        </p:txBody>
-      </p:sp>
-    </p:spTree>
-    <p:extLst>
-      <p:ext uri="{BB962C8B-B14F-4D97-AF65-F5344CB8AC3E}">
-        <p14:creationId xmlns:p14="http://schemas.microsoft.com/office/powerpoint/2010/main" val="2825256260"/>
-      </p:ext>
-    </p:extLst>
-  </p:cSld>
-  <p:clrMapOvr>
-    <a:masterClrMapping/>
-  </p:clrMapOvr>
-  <p:transition>
-    <p:fade/>
-  </p:transition>
-  <p:extLst>
-    <p:ext uri="{DCECCB84-F9BA-43D5-87BE-67443E8EF086}">
-      <p15:sldGuideLst xmlns:p15="http://schemas.microsoft.com/office/powerpoint/2012/main">
-        <p15:guide id="1" orient="horz" pos="1272">
-          <p15:clr>
-            <a:srgbClr val="5ACBF0"/>
-          </p15:clr>
-        </p15:guide>
-        <p15:guide id="2" orient="horz" pos="905">
-          <p15:clr>
-            <a:srgbClr val="5ACBF0"/>
-          </p15:clr>
-        </p15:guide>
-        <p15:guide id="3" orient="horz" pos="288">
           <p15:clr>
             <a:srgbClr val="5ACBF0"/>
           </p15:clr>
@@ -56189,7 +55720,7 @@
           <p:nvPr userDrawn="1"/>
         </p:nvPicPr>
         <p:blipFill rotWithShape="1">
-          <a:blip r:embed="rId122" cstate="hqprint">
+          <a:blip r:embed="rId120" cstate="hqprint">
             <a:extLst>
               <a:ext uri="{28A0092B-C50C-407E-A947-70E740481C1C}">
                 <a14:useLocalDpi xmlns:a14="http://schemas.microsoft.com/office/drawing/2010/main"/>
@@ -56335,9 +55866,7 @@
     <p:sldLayoutId id="2147485404" r:id="rId115"/>
     <p:sldLayoutId id="2147485405" r:id="rId116"/>
     <p:sldLayoutId id="2147485406" r:id="rId117"/>
-    <p:sldLayoutId id="2147485407" r:id="rId118"/>
-    <p:sldLayoutId id="2147485408" r:id="rId119"/>
-    <p:sldLayoutId id="2147485409" r:id="rId120"/>
+    <p:sldLayoutId id="2147485408" r:id="rId118"/>
   </p:sldLayoutIdLst>
   <p:transition>
     <p:fade/>
@@ -56908,6 +56437,900 @@
 </p:sld>
 </file>
 
+<file path=ppt/slides/slide10.xml><?xml version="1.0" encoding="utf-8"?>
+<p:sld xmlns:a="http://schemas.openxmlformats.org/drawingml/2006/main" xmlns:r="http://schemas.openxmlformats.org/officeDocument/2006/relationships" xmlns:p="http://schemas.openxmlformats.org/presentationml/2006/main">
+  <p:cSld>
+    <p:spTree>
+      <p:nvGrpSpPr>
+        <p:cNvPr id="1" name=""/>
+        <p:cNvGrpSpPr/>
+        <p:nvPr/>
+      </p:nvGrpSpPr>
+      <p:grpSpPr>
+        <a:xfrm>
+          <a:off x="0" y="0"/>
+          <a:ext cx="0" cy="0"/>
+          <a:chOff x="0" y="0"/>
+          <a:chExt cx="0" cy="0"/>
+        </a:xfrm>
+      </p:grpSpPr>
+      <p:sp>
+        <p:nvSpPr>
+          <p:cNvPr id="2" name="Title 1">
+            <a:extLst>
+              <a:ext uri="{FF2B5EF4-FFF2-40B4-BE49-F238E27FC236}">
+                <a16:creationId xmlns:a16="http://schemas.microsoft.com/office/drawing/2014/main" id="{D52DCDCB-0E02-49BB-9DF3-89AD90F9681B}"/>
+              </a:ext>
+            </a:extLst>
+          </p:cNvPr>
+          <p:cNvSpPr>
+            <a:spLocks noGrp="1"/>
+          </p:cNvSpPr>
+          <p:nvPr>
+            <p:ph type="title"/>
+          </p:nvPr>
+        </p:nvSpPr>
+        <p:spPr/>
+        <p:txBody>
+          <a:bodyPr/>
+          <a:lstStyle/>
+          <a:p>
+            <a:r>
+              <a:rPr lang="en-US" dirty="0"/>
+              <a:t>Iterator</a:t>
+            </a:r>
+          </a:p>
+        </p:txBody>
+      </p:sp>
+      <p:sp>
+        <p:nvSpPr>
+          <p:cNvPr id="3" name="Text Placeholder 2">
+            <a:extLst>
+              <a:ext uri="{FF2B5EF4-FFF2-40B4-BE49-F238E27FC236}">
+                <a16:creationId xmlns:a16="http://schemas.microsoft.com/office/drawing/2014/main" id="{AC441A3B-B99A-4C8E-9650-5CE61363EEB1}"/>
+              </a:ext>
+            </a:extLst>
+          </p:cNvPr>
+          <p:cNvSpPr>
+            <a:spLocks noGrp="1"/>
+          </p:cNvSpPr>
+          <p:nvPr>
+            <p:ph type="body" sz="quarter" idx="10"/>
+          </p:nvPr>
+        </p:nvSpPr>
+        <p:spPr>
+          <a:xfrm>
+            <a:off x="586390" y="1434370"/>
+            <a:ext cx="11018520" cy="4395049"/>
+          </a:xfrm>
+        </p:spPr>
+        <p:txBody>
+          <a:bodyPr/>
+          <a:lstStyle/>
+          <a:p>
+            <a:r>
+              <a:rPr lang="en-US" dirty="0"/>
+              <a:t>Provide a way to access the elements of an aggregate object (collection) sequentially without exposing the underlying representation</a:t>
+            </a:r>
+          </a:p>
+          <a:p>
+            <a:endParaRPr lang="en-US" dirty="0"/>
+          </a:p>
+          <a:p>
+            <a:r>
+              <a:rPr lang="en-US" dirty="0" err="1">
+                <a:latin typeface="Consolas" panose="020B0609020204030204" pitchFamily="49" charset="0"/>
+              </a:rPr>
+              <a:t>IEnumerable</a:t>
+            </a:r>
+            <a:endParaRPr lang="en-US" dirty="0"/>
+          </a:p>
+          <a:p>
+            <a:r>
+              <a:rPr lang="en-US" dirty="0" err="1">
+                <a:latin typeface="Consolas" panose="020B0609020204030204" pitchFamily="49" charset="0"/>
+              </a:rPr>
+              <a:t>IEnumerable</a:t>
+            </a:r>
+            <a:r>
+              <a:rPr lang="en-US" dirty="0">
+                <a:latin typeface="Consolas" panose="020B0609020204030204" pitchFamily="49" charset="0"/>
+              </a:rPr>
+              <a:t>&lt;T&gt;</a:t>
+            </a:r>
+          </a:p>
+          <a:p>
+            <a:r>
+              <a:rPr lang="en-US" dirty="0" err="1">
+                <a:latin typeface="Consolas" panose="020B0609020204030204" pitchFamily="49" charset="0"/>
+              </a:rPr>
+              <a:t>IEnumerator</a:t>
+            </a:r>
+            <a:endParaRPr lang="en-US" dirty="0">
+              <a:latin typeface="Consolas" panose="020B0609020204030204" pitchFamily="49" charset="0"/>
+            </a:endParaRPr>
+          </a:p>
+          <a:p>
+            <a:r>
+              <a:rPr lang="en-US" dirty="0" err="1">
+                <a:latin typeface="Consolas" panose="020B0609020204030204" pitchFamily="49" charset="0"/>
+              </a:rPr>
+              <a:t>IEnumerator</a:t>
+            </a:r>
+            <a:r>
+              <a:rPr lang="en-US" dirty="0">
+                <a:latin typeface="Consolas" panose="020B0609020204030204" pitchFamily="49" charset="0"/>
+              </a:rPr>
+              <a:t>&lt;T&gt;</a:t>
+            </a:r>
+          </a:p>
+          <a:p>
+            <a:r>
+              <a:rPr lang="en-US" dirty="0">
+                <a:latin typeface="Consolas" panose="020B0609020204030204" pitchFamily="49" charset="0"/>
+              </a:rPr>
+              <a:t>foreach...</a:t>
+            </a:r>
+          </a:p>
+        </p:txBody>
+      </p:sp>
+      <p:pic>
+        <p:nvPicPr>
+          <p:cNvPr id="1026" name="Picture 2">
+            <a:extLst>
+              <a:ext uri="{FF2B5EF4-FFF2-40B4-BE49-F238E27FC236}">
+                <a16:creationId xmlns:a16="http://schemas.microsoft.com/office/drawing/2014/main" id="{4C158993-D74D-41E9-86CE-57134AC1CF8E}"/>
+              </a:ext>
+            </a:extLst>
+          </p:cNvPr>
+          <p:cNvPicPr>
+            <a:picLocks noChangeAspect="1" noChangeArrowheads="1"/>
+          </p:cNvPicPr>
+          <p:nvPr/>
+        </p:nvPicPr>
+        <p:blipFill>
+          <a:blip r:embed="rId2">
+            <a:extLst>
+              <a:ext uri="{28A0092B-C50C-407E-A947-70E740481C1C}">
+                <a14:useLocalDpi xmlns:a14="http://schemas.microsoft.com/office/drawing/2010/main" val="0"/>
+              </a:ext>
+            </a:extLst>
+          </a:blip>
+          <a:srcRect/>
+          <a:stretch>
+            <a:fillRect/>
+          </a:stretch>
+        </p:blipFill>
+        <p:spPr bwMode="auto">
+          <a:xfrm>
+            <a:off x="5924550" y="2412365"/>
+            <a:ext cx="6267450" cy="4400550"/>
+          </a:xfrm>
+          <a:prstGeom prst="rect">
+            <a:avLst/>
+          </a:prstGeom>
+          <a:noFill/>
+          <a:extLst>
+            <a:ext uri="{909E8E84-426E-40DD-AFC4-6F175D3DCCD1}">
+              <a14:hiddenFill xmlns:a14="http://schemas.microsoft.com/office/drawing/2010/main">
+                <a:solidFill>
+                  <a:srgbClr val="FFFFFF"/>
+                </a:solidFill>
+              </a14:hiddenFill>
+            </a:ext>
+          </a:extLst>
+        </p:spPr>
+      </p:pic>
+    </p:spTree>
+    <p:extLst>
+      <p:ext uri="{BB962C8B-B14F-4D97-AF65-F5344CB8AC3E}">
+        <p14:creationId xmlns:p14="http://schemas.microsoft.com/office/powerpoint/2010/main" val="82424691"/>
+      </p:ext>
+    </p:extLst>
+  </p:cSld>
+  <p:clrMapOvr>
+    <a:masterClrMapping/>
+  </p:clrMapOvr>
+  <p:transition>
+    <p:fade/>
+  </p:transition>
+</p:sld>
+</file>
+
+<file path=ppt/slides/slide11.xml><?xml version="1.0" encoding="utf-8"?>
+<p:sld xmlns:a="http://schemas.openxmlformats.org/drawingml/2006/main" xmlns:r="http://schemas.openxmlformats.org/officeDocument/2006/relationships" xmlns:p="http://schemas.openxmlformats.org/presentationml/2006/main">
+  <p:cSld>
+    <p:spTree>
+      <p:nvGrpSpPr>
+        <p:cNvPr id="1" name=""/>
+        <p:cNvGrpSpPr/>
+        <p:nvPr/>
+      </p:nvGrpSpPr>
+      <p:grpSpPr>
+        <a:xfrm>
+          <a:off x="0" y="0"/>
+          <a:ext cx="0" cy="0"/>
+          <a:chOff x="0" y="0"/>
+          <a:chExt cx="0" cy="0"/>
+        </a:xfrm>
+      </p:grpSpPr>
+      <p:sp>
+        <p:nvSpPr>
+          <p:cNvPr id="2" name="Title 1">
+            <a:extLst>
+              <a:ext uri="{FF2B5EF4-FFF2-40B4-BE49-F238E27FC236}">
+                <a16:creationId xmlns:a16="http://schemas.microsoft.com/office/drawing/2014/main" id="{BD05B1B1-C35B-4073-9F8C-7CAA5CA57777}"/>
+              </a:ext>
+            </a:extLst>
+          </p:cNvPr>
+          <p:cNvSpPr>
+            <a:spLocks noGrp="1"/>
+          </p:cNvSpPr>
+          <p:nvPr>
+            <p:ph type="title"/>
+          </p:nvPr>
+        </p:nvSpPr>
+        <p:spPr/>
+        <p:txBody>
+          <a:bodyPr/>
+          <a:lstStyle/>
+          <a:p>
+            <a:r>
+              <a:rPr lang="en-US" dirty="0"/>
+              <a:t>Bridge</a:t>
+            </a:r>
+          </a:p>
+        </p:txBody>
+      </p:sp>
+      <p:sp>
+        <p:nvSpPr>
+          <p:cNvPr id="3" name="Text Placeholder 2">
+            <a:extLst>
+              <a:ext uri="{FF2B5EF4-FFF2-40B4-BE49-F238E27FC236}">
+                <a16:creationId xmlns:a16="http://schemas.microsoft.com/office/drawing/2014/main" id="{F741E6C0-49DF-47A6-8906-1B294E4F6D63}"/>
+              </a:ext>
+            </a:extLst>
+          </p:cNvPr>
+          <p:cNvSpPr>
+            <a:spLocks noGrp="1"/>
+          </p:cNvSpPr>
+          <p:nvPr>
+            <p:ph type="body" sz="quarter" idx="10"/>
+          </p:nvPr>
+        </p:nvSpPr>
+        <p:spPr>
+          <a:xfrm>
+            <a:off x="586390" y="1434370"/>
+            <a:ext cx="11018520" cy="861774"/>
+          </a:xfrm>
+        </p:spPr>
+        <p:txBody>
+          <a:bodyPr/>
+          <a:lstStyle/>
+          <a:p>
+            <a:r>
+              <a:rPr lang="en-US" dirty="0"/>
+              <a:t>Decouple an abstraction from its implementation so that the two can vary independently. </a:t>
+            </a:r>
+          </a:p>
+        </p:txBody>
+      </p:sp>
+      <p:pic>
+        <p:nvPicPr>
+          <p:cNvPr id="4" name="Picture 3">
+            <a:extLst>
+              <a:ext uri="{FF2B5EF4-FFF2-40B4-BE49-F238E27FC236}">
+                <a16:creationId xmlns:a16="http://schemas.microsoft.com/office/drawing/2014/main" id="{02BB85A3-C649-4992-9373-CA7EA4F9BB92}"/>
+              </a:ext>
+            </a:extLst>
+          </p:cNvPr>
+          <p:cNvPicPr>
+            <a:picLocks noChangeAspect="1"/>
+          </p:cNvPicPr>
+          <p:nvPr/>
+        </p:nvPicPr>
+        <p:blipFill>
+          <a:blip r:embed="rId2"/>
+          <a:stretch>
+            <a:fillRect/>
+          </a:stretch>
+        </p:blipFill>
+        <p:spPr>
+          <a:xfrm>
+            <a:off x="3048010" y="2719316"/>
+            <a:ext cx="6095980" cy="3986880"/>
+          </a:xfrm>
+          <a:prstGeom prst="rect">
+            <a:avLst/>
+          </a:prstGeom>
+        </p:spPr>
+      </p:pic>
+    </p:spTree>
+    <p:extLst>
+      <p:ext uri="{BB962C8B-B14F-4D97-AF65-F5344CB8AC3E}">
+        <p14:creationId xmlns:p14="http://schemas.microsoft.com/office/powerpoint/2010/main" val="2777379272"/>
+      </p:ext>
+    </p:extLst>
+  </p:cSld>
+  <p:clrMapOvr>
+    <a:masterClrMapping/>
+  </p:clrMapOvr>
+  <p:transition>
+    <p:fade/>
+  </p:transition>
+</p:sld>
+</file>
+
+<file path=ppt/slides/slide12.xml><?xml version="1.0" encoding="utf-8"?>
+<p:sld xmlns:a="http://schemas.openxmlformats.org/drawingml/2006/main" xmlns:r="http://schemas.openxmlformats.org/officeDocument/2006/relationships" xmlns:p="http://schemas.openxmlformats.org/presentationml/2006/main">
+  <p:cSld>
+    <p:spTree>
+      <p:nvGrpSpPr>
+        <p:cNvPr id="1" name=""/>
+        <p:cNvGrpSpPr/>
+        <p:nvPr/>
+      </p:nvGrpSpPr>
+      <p:grpSpPr>
+        <a:xfrm>
+          <a:off x="0" y="0"/>
+          <a:ext cx="0" cy="0"/>
+          <a:chOff x="0" y="0"/>
+          <a:chExt cx="0" cy="0"/>
+        </a:xfrm>
+      </p:grpSpPr>
+      <p:sp>
+        <p:nvSpPr>
+          <p:cNvPr id="5" name="Title 4">
+            <a:extLst>
+              <a:ext uri="{FF2B5EF4-FFF2-40B4-BE49-F238E27FC236}">
+                <a16:creationId xmlns:a16="http://schemas.microsoft.com/office/drawing/2014/main" id="{4A079ADF-3123-4038-9206-31F7578B1753}"/>
+              </a:ext>
+            </a:extLst>
+          </p:cNvPr>
+          <p:cNvSpPr>
+            <a:spLocks noGrp="1"/>
+          </p:cNvSpPr>
+          <p:nvPr>
+            <p:ph type="title"/>
+          </p:nvPr>
+        </p:nvSpPr>
+        <p:spPr/>
+        <p:txBody>
+          <a:bodyPr/>
+          <a:lstStyle/>
+          <a:p>
+            <a:r>
+              <a:rPr lang="en-US" dirty="0"/>
+              <a:t>Docker &amp; Docker Compose</a:t>
+            </a:r>
+          </a:p>
+        </p:txBody>
+      </p:sp>
+      <p:sp>
+        <p:nvSpPr>
+          <p:cNvPr id="6" name="Text Placeholder 5">
+            <a:extLst>
+              <a:ext uri="{FF2B5EF4-FFF2-40B4-BE49-F238E27FC236}">
+                <a16:creationId xmlns:a16="http://schemas.microsoft.com/office/drawing/2014/main" id="{97CCEBA9-83DC-43FD-977A-5A918C333B66}"/>
+              </a:ext>
+            </a:extLst>
+          </p:cNvPr>
+          <p:cNvSpPr>
+            <a:spLocks noGrp="1"/>
+          </p:cNvSpPr>
+          <p:nvPr>
+            <p:ph type="body" sz="quarter" idx="12"/>
+          </p:nvPr>
+        </p:nvSpPr>
+        <p:spPr/>
+        <p:txBody>
+          <a:bodyPr/>
+          <a:lstStyle/>
+          <a:p>
+            <a:r>
+              <a:rPr lang="en-US" dirty="0"/>
+              <a:t>Demo</a:t>
+            </a:r>
+          </a:p>
+        </p:txBody>
+      </p:sp>
+    </p:spTree>
+    <p:extLst>
+      <p:ext uri="{BB962C8B-B14F-4D97-AF65-F5344CB8AC3E}">
+        <p14:creationId xmlns:p14="http://schemas.microsoft.com/office/powerpoint/2010/main" val="2435844964"/>
+      </p:ext>
+    </p:extLst>
+  </p:cSld>
+  <p:clrMapOvr>
+    <a:masterClrMapping/>
+  </p:clrMapOvr>
+  <mc:AlternateContent xmlns:mc="http://schemas.openxmlformats.org/markup-compatibility/2006" xmlns:p14="http://schemas.microsoft.com/office/powerpoint/2010/main">
+    <mc:Choice Requires="p14">
+      <p:transition spd="med" p14:dur="700">
+        <p:fade/>
+      </p:transition>
+    </mc:Choice>
+    <mc:Fallback xmlns="">
+      <p:transition spd="med">
+        <p:fade/>
+      </p:transition>
+    </mc:Fallback>
+  </mc:AlternateContent>
+</p:sld>
+</file>
+
+<file path=ppt/slides/slide13.xml><?xml version="1.0" encoding="utf-8"?>
+<p:sld xmlns:a="http://schemas.openxmlformats.org/drawingml/2006/main" xmlns:r="http://schemas.openxmlformats.org/officeDocument/2006/relationships" xmlns:p="http://schemas.openxmlformats.org/presentationml/2006/main">
+  <p:cSld>
+    <p:spTree>
+      <p:nvGrpSpPr>
+        <p:cNvPr id="1" name=""/>
+        <p:cNvGrpSpPr/>
+        <p:nvPr/>
+      </p:nvGrpSpPr>
+      <p:grpSpPr>
+        <a:xfrm>
+          <a:off x="0" y="0"/>
+          <a:ext cx="0" cy="0"/>
+          <a:chOff x="0" y="0"/>
+          <a:chExt cx="0" cy="0"/>
+        </a:xfrm>
+      </p:grpSpPr>
+      <p:sp>
+        <p:nvSpPr>
+          <p:cNvPr id="2" name="Title 1">
+            <a:extLst>
+              <a:ext uri="{FF2B5EF4-FFF2-40B4-BE49-F238E27FC236}">
+                <a16:creationId xmlns:a16="http://schemas.microsoft.com/office/drawing/2014/main" id="{F1C86310-9ED9-42B3-A03F-B555DCABDF4B}"/>
+              </a:ext>
+            </a:extLst>
+          </p:cNvPr>
+          <p:cNvSpPr>
+            <a:spLocks noGrp="1"/>
+          </p:cNvSpPr>
+          <p:nvPr>
+            <p:ph type="title"/>
+          </p:nvPr>
+        </p:nvSpPr>
+        <p:spPr/>
+        <p:txBody>
+          <a:bodyPr/>
+          <a:lstStyle/>
+          <a:p>
+            <a:r>
+              <a:rPr lang="en-US" noProof="0" dirty="0" err="1"/>
+              <a:t>gRPC</a:t>
+            </a:r>
+            <a:endParaRPr lang="en-US" noProof="0" dirty="0"/>
+          </a:p>
+        </p:txBody>
+      </p:sp>
+    </p:spTree>
+    <p:extLst>
+      <p:ext uri="{BB962C8B-B14F-4D97-AF65-F5344CB8AC3E}">
+        <p14:creationId xmlns:p14="http://schemas.microsoft.com/office/powerpoint/2010/main" val="183565903"/>
+      </p:ext>
+    </p:extLst>
+  </p:cSld>
+  <p:clrMapOvr>
+    <a:masterClrMapping/>
+  </p:clrMapOvr>
+  <mc:AlternateContent xmlns:mc="http://schemas.openxmlformats.org/markup-compatibility/2006" xmlns:p14="http://schemas.microsoft.com/office/powerpoint/2010/main">
+    <mc:Choice Requires="p14">
+      <p:transition spd="med" p14:dur="700">
+        <p:fade/>
+      </p:transition>
+    </mc:Choice>
+    <mc:Fallback xmlns="">
+      <p:transition spd="med">
+        <p:fade/>
+      </p:transition>
+    </mc:Fallback>
+  </mc:AlternateContent>
+</p:sld>
+</file>
+
+<file path=ppt/slides/slide14.xml><?xml version="1.0" encoding="utf-8"?>
+<p:sld xmlns:a="http://schemas.openxmlformats.org/drawingml/2006/main" xmlns:r="http://schemas.openxmlformats.org/officeDocument/2006/relationships" xmlns:p="http://schemas.openxmlformats.org/presentationml/2006/main">
+  <p:cSld>
+    <p:spTree>
+      <p:nvGrpSpPr>
+        <p:cNvPr id="1" name=""/>
+        <p:cNvGrpSpPr/>
+        <p:nvPr/>
+      </p:nvGrpSpPr>
+      <p:grpSpPr>
+        <a:xfrm>
+          <a:off x="0" y="0"/>
+          <a:ext cx="0" cy="0"/>
+          <a:chOff x="0" y="0"/>
+          <a:chExt cx="0" cy="0"/>
+        </a:xfrm>
+      </p:grpSpPr>
+      <p:sp>
+        <p:nvSpPr>
+          <p:cNvPr id="3" name="Title 2">
+            <a:extLst>
+              <a:ext uri="{FF2B5EF4-FFF2-40B4-BE49-F238E27FC236}">
+                <a16:creationId xmlns:a16="http://schemas.microsoft.com/office/drawing/2014/main" id="{3E3E855D-1666-4E0F-8580-A7BD1828D84B}"/>
+              </a:ext>
+            </a:extLst>
+          </p:cNvPr>
+          <p:cNvSpPr>
+            <a:spLocks noGrp="1"/>
+          </p:cNvSpPr>
+          <p:nvPr>
+            <p:ph type="title"/>
+          </p:nvPr>
+        </p:nvSpPr>
+        <p:spPr/>
+        <p:txBody>
+          <a:bodyPr/>
+          <a:lstStyle/>
+          <a:p>
+            <a:r>
+              <a:rPr lang="en-US" noProof="0" dirty="0" err="1"/>
+              <a:t>gRPC</a:t>
+            </a:r>
+            <a:r>
+              <a:rPr lang="en-US" noProof="0" dirty="0"/>
+              <a:t> Remote Procedure Calls</a:t>
+            </a:r>
+          </a:p>
+        </p:txBody>
+      </p:sp>
+      <p:sp>
+        <p:nvSpPr>
+          <p:cNvPr id="4" name="Text Placeholder 3">
+            <a:extLst>
+              <a:ext uri="{FF2B5EF4-FFF2-40B4-BE49-F238E27FC236}">
+                <a16:creationId xmlns:a16="http://schemas.microsoft.com/office/drawing/2014/main" id="{F79AD97B-972D-4626-AC88-D90A7B5D3855}"/>
+              </a:ext>
+            </a:extLst>
+          </p:cNvPr>
+          <p:cNvSpPr>
+            <a:spLocks noGrp="1"/>
+          </p:cNvSpPr>
+          <p:nvPr>
+            <p:ph type="body" sz="quarter" idx="10"/>
+          </p:nvPr>
+        </p:nvSpPr>
+        <p:spPr>
+          <a:xfrm>
+            <a:off x="586390" y="1434370"/>
+            <a:ext cx="11018520" cy="2757678"/>
+          </a:xfrm>
+        </p:spPr>
+        <p:txBody>
+          <a:bodyPr/>
+          <a:lstStyle/>
+          <a:p>
+            <a:r>
+              <a:rPr lang="en-US" noProof="0" dirty="0" err="1"/>
+              <a:t>gRPC</a:t>
+            </a:r>
+            <a:r>
+              <a:rPr lang="en-US" noProof="0" dirty="0"/>
+              <a:t> is a modern, open source, high-performance remote procedure call (RPC) framework that can run anywhere. </a:t>
+            </a:r>
+            <a:r>
+              <a:rPr lang="en-US" noProof="0" dirty="0" err="1"/>
+              <a:t>gRPC</a:t>
+            </a:r>
+            <a:r>
+              <a:rPr lang="en-US" noProof="0" dirty="0"/>
+              <a:t> enables client and server applications to communicate transparently, and simplifies the building of connected systems.</a:t>
+            </a:r>
+          </a:p>
+          <a:p>
+            <a:endParaRPr lang="en-US" noProof="0" dirty="0"/>
+          </a:p>
+          <a:p>
+            <a:r>
+              <a:rPr lang="en-US" noProof="0" dirty="0">
+                <a:latin typeface="Cascadia Code PL" panose="020B0609020000020004" pitchFamily="49" charset="0"/>
+                <a:cs typeface="Cascadia Code PL" panose="020B0609020000020004" pitchFamily="49" charset="0"/>
+              </a:rPr>
+              <a:t>$ dotnet new </a:t>
+            </a:r>
+            <a:r>
+              <a:rPr lang="en-US" noProof="0" dirty="0" err="1">
+                <a:latin typeface="Cascadia Code PL" panose="020B0609020000020004" pitchFamily="49" charset="0"/>
+                <a:cs typeface="Cascadia Code PL" panose="020B0609020000020004" pitchFamily="49" charset="0"/>
+              </a:rPr>
+              <a:t>grpc</a:t>
+            </a:r>
+            <a:endParaRPr lang="en-US" noProof="0" dirty="0">
+              <a:latin typeface="Cascadia Code PL" panose="020B0609020000020004" pitchFamily="49" charset="0"/>
+              <a:cs typeface="Cascadia Code PL" panose="020B0609020000020004" pitchFamily="49" charset="0"/>
+            </a:endParaRPr>
+          </a:p>
+        </p:txBody>
+      </p:sp>
+      <p:sp>
+        <p:nvSpPr>
+          <p:cNvPr id="6" name="TextBox 5">
+            <a:extLst>
+              <a:ext uri="{FF2B5EF4-FFF2-40B4-BE49-F238E27FC236}">
+                <a16:creationId xmlns:a16="http://schemas.microsoft.com/office/drawing/2014/main" id="{4AAE9A4C-A5AD-479A-8A35-0CACE1063665}"/>
+              </a:ext>
+            </a:extLst>
+          </p:cNvPr>
+          <p:cNvSpPr txBox="1"/>
+          <p:nvPr/>
+        </p:nvSpPr>
+        <p:spPr>
+          <a:xfrm>
+            <a:off x="5264150" y="6269627"/>
+            <a:ext cx="6738620" cy="363946"/>
+          </a:xfrm>
+          <a:prstGeom prst="rect">
+            <a:avLst/>
+          </a:prstGeom>
+          <a:noFill/>
+        </p:spPr>
+        <p:txBody>
+          <a:bodyPr wrap="square">
+            <a:spAutoFit/>
+          </a:bodyPr>
+          <a:lstStyle/>
+          <a:p>
+            <a:pPr algn="r"/>
+            <a:r>
+              <a:rPr lang="da-DK" dirty="0"/>
+              <a:t>Source: </a:t>
+            </a:r>
+            <a:r>
+              <a:rPr lang="da-DK" dirty="0">
+                <a:hlinkClick r:id="rId2"/>
+              </a:rPr>
+              <a:t>https://github.com/grpc/grpc</a:t>
+            </a:r>
+            <a:endParaRPr lang="LID4096" dirty="0"/>
+          </a:p>
+        </p:txBody>
+      </p:sp>
+    </p:spTree>
+    <p:extLst>
+      <p:ext uri="{BB962C8B-B14F-4D97-AF65-F5344CB8AC3E}">
+        <p14:creationId xmlns:p14="http://schemas.microsoft.com/office/powerpoint/2010/main" val="546638364"/>
+      </p:ext>
+    </p:extLst>
+  </p:cSld>
+  <p:clrMapOvr>
+    <a:masterClrMapping/>
+  </p:clrMapOvr>
+  <p:transition>
+    <p:fade/>
+  </p:transition>
+</p:sld>
+</file>
+
+<file path=ppt/slides/slide15.xml><?xml version="1.0" encoding="utf-8"?>
+<p:sld xmlns:a="http://schemas.openxmlformats.org/drawingml/2006/main" xmlns:r="http://schemas.openxmlformats.org/officeDocument/2006/relationships" xmlns:p="http://schemas.openxmlformats.org/presentationml/2006/main">
+  <p:cSld>
+    <p:spTree>
+      <p:nvGrpSpPr>
+        <p:cNvPr id="1" name=""/>
+        <p:cNvGrpSpPr/>
+        <p:nvPr/>
+      </p:nvGrpSpPr>
+      <p:grpSpPr>
+        <a:xfrm>
+          <a:off x="0" y="0"/>
+          <a:ext cx="0" cy="0"/>
+          <a:chOff x="0" y="0"/>
+          <a:chExt cx="0" cy="0"/>
+        </a:xfrm>
+      </p:grpSpPr>
+      <p:sp>
+        <p:nvSpPr>
+          <p:cNvPr id="2" name="Title 1">
+            <a:extLst>
+              <a:ext uri="{FF2B5EF4-FFF2-40B4-BE49-F238E27FC236}">
+                <a16:creationId xmlns:a16="http://schemas.microsoft.com/office/drawing/2014/main" id="{F1C86310-9ED9-42B3-A03F-B555DCABDF4B}"/>
+              </a:ext>
+            </a:extLst>
+          </p:cNvPr>
+          <p:cNvSpPr>
+            <a:spLocks noGrp="1"/>
+          </p:cNvSpPr>
+          <p:nvPr>
+            <p:ph type="title"/>
+          </p:nvPr>
+        </p:nvSpPr>
+        <p:spPr/>
+        <p:txBody>
+          <a:bodyPr/>
+          <a:lstStyle/>
+          <a:p>
+            <a:r>
+              <a:rPr lang="en-US" noProof="0" dirty="0" err="1"/>
+              <a:t>GraphQL</a:t>
+            </a:r>
+            <a:endParaRPr lang="en-US" noProof="0" dirty="0"/>
+          </a:p>
+        </p:txBody>
+      </p:sp>
+    </p:spTree>
+    <p:extLst>
+      <p:ext uri="{BB962C8B-B14F-4D97-AF65-F5344CB8AC3E}">
+        <p14:creationId xmlns:p14="http://schemas.microsoft.com/office/powerpoint/2010/main" val="2348342776"/>
+      </p:ext>
+    </p:extLst>
+  </p:cSld>
+  <p:clrMapOvr>
+    <a:masterClrMapping/>
+  </p:clrMapOvr>
+  <mc:AlternateContent xmlns:mc="http://schemas.openxmlformats.org/markup-compatibility/2006" xmlns:p14="http://schemas.microsoft.com/office/powerpoint/2010/main">
+    <mc:Choice Requires="p14">
+      <p:transition spd="med" p14:dur="700">
+        <p:fade/>
+      </p:transition>
+    </mc:Choice>
+    <mc:Fallback xmlns="">
+      <p:transition spd="med">
+        <p:fade/>
+      </p:transition>
+    </mc:Fallback>
+  </mc:AlternateContent>
+</p:sld>
+</file>
+
+<file path=ppt/slides/slide16.xml><?xml version="1.0" encoding="utf-8"?>
+<p:sld xmlns:a="http://schemas.openxmlformats.org/drawingml/2006/main" xmlns:r="http://schemas.openxmlformats.org/officeDocument/2006/relationships" xmlns:p="http://schemas.openxmlformats.org/presentationml/2006/main">
+  <p:cSld>
+    <p:spTree>
+      <p:nvGrpSpPr>
+        <p:cNvPr id="1" name=""/>
+        <p:cNvGrpSpPr/>
+        <p:nvPr/>
+      </p:nvGrpSpPr>
+      <p:grpSpPr>
+        <a:xfrm>
+          <a:off x="0" y="0"/>
+          <a:ext cx="0" cy="0"/>
+          <a:chOff x="0" y="0"/>
+          <a:chExt cx="0" cy="0"/>
+        </a:xfrm>
+      </p:grpSpPr>
+      <p:sp>
+        <p:nvSpPr>
+          <p:cNvPr id="3" name="Title 2">
+            <a:extLst>
+              <a:ext uri="{FF2B5EF4-FFF2-40B4-BE49-F238E27FC236}">
+                <a16:creationId xmlns:a16="http://schemas.microsoft.com/office/drawing/2014/main" id="{3E3E855D-1666-4E0F-8580-A7BD1828D84B}"/>
+              </a:ext>
+            </a:extLst>
+          </p:cNvPr>
+          <p:cNvSpPr>
+            <a:spLocks noGrp="1"/>
+          </p:cNvSpPr>
+          <p:nvPr>
+            <p:ph type="title"/>
+          </p:nvPr>
+        </p:nvSpPr>
+        <p:spPr/>
+        <p:txBody>
+          <a:bodyPr/>
+          <a:lstStyle/>
+          <a:p>
+            <a:r>
+              <a:rPr lang="en-US" noProof="0" dirty="0" err="1"/>
+              <a:t>GraphQL</a:t>
+            </a:r>
+            <a:endParaRPr lang="en-US" noProof="0" dirty="0"/>
+          </a:p>
+        </p:txBody>
+      </p:sp>
+      <p:sp>
+        <p:nvSpPr>
+          <p:cNvPr id="4" name="Text Placeholder 3">
+            <a:extLst>
+              <a:ext uri="{FF2B5EF4-FFF2-40B4-BE49-F238E27FC236}">
+                <a16:creationId xmlns:a16="http://schemas.microsoft.com/office/drawing/2014/main" id="{F79AD97B-972D-4626-AC88-D90A7B5D3855}"/>
+              </a:ext>
+            </a:extLst>
+          </p:cNvPr>
+          <p:cNvSpPr>
+            <a:spLocks noGrp="1"/>
+          </p:cNvSpPr>
+          <p:nvPr>
+            <p:ph type="body" sz="quarter" idx="10"/>
+          </p:nvPr>
+        </p:nvSpPr>
+        <p:spPr>
+          <a:xfrm>
+            <a:off x="586390" y="1434370"/>
+            <a:ext cx="11018520" cy="2585323"/>
+          </a:xfrm>
+        </p:spPr>
+        <p:txBody>
+          <a:bodyPr/>
+          <a:lstStyle/>
+          <a:p>
+            <a:r>
+              <a:rPr lang="en-US" noProof="0" dirty="0" err="1"/>
+              <a:t>GraphQL</a:t>
+            </a:r>
+            <a:r>
+              <a:rPr lang="en-US" noProof="0" dirty="0"/>
+              <a:t> is a query language for APIs and a runtime for fulfilling those queries with your existing data. </a:t>
+            </a:r>
+            <a:r>
+              <a:rPr lang="en-US" noProof="0" dirty="0" err="1"/>
+              <a:t>GraphQL</a:t>
+            </a:r>
+            <a:r>
+              <a:rPr lang="en-US" noProof="0" dirty="0"/>
+              <a:t> provides a complete and understandable description of the data in your API, gives clients the power to ask for exactly what they need and nothing more, makes it easier to evolve APIs over time, and enables powerful developer tools.</a:t>
+            </a:r>
+            <a:endParaRPr lang="en-US" noProof="0" dirty="0">
+              <a:latin typeface="Cascadia Code PL" panose="020B0609020000020004" pitchFamily="49" charset="0"/>
+              <a:cs typeface="Cascadia Code PL" panose="020B0609020000020004" pitchFamily="49" charset="0"/>
+            </a:endParaRPr>
+          </a:p>
+        </p:txBody>
+      </p:sp>
+      <p:sp>
+        <p:nvSpPr>
+          <p:cNvPr id="6" name="TextBox 5">
+            <a:extLst>
+              <a:ext uri="{FF2B5EF4-FFF2-40B4-BE49-F238E27FC236}">
+                <a16:creationId xmlns:a16="http://schemas.microsoft.com/office/drawing/2014/main" id="{4AAE9A4C-A5AD-479A-8A35-0CACE1063665}"/>
+              </a:ext>
+            </a:extLst>
+          </p:cNvPr>
+          <p:cNvSpPr txBox="1"/>
+          <p:nvPr/>
+        </p:nvSpPr>
+        <p:spPr>
+          <a:xfrm>
+            <a:off x="5264150" y="6269627"/>
+            <a:ext cx="6738620" cy="363946"/>
+          </a:xfrm>
+          <a:prstGeom prst="rect">
+            <a:avLst/>
+          </a:prstGeom>
+          <a:noFill/>
+        </p:spPr>
+        <p:txBody>
+          <a:bodyPr wrap="square">
+            <a:spAutoFit/>
+          </a:bodyPr>
+          <a:lstStyle/>
+          <a:p>
+            <a:pPr algn="r"/>
+            <a:r>
+              <a:rPr lang="da-DK" dirty="0"/>
+              <a:t>Source: </a:t>
+            </a:r>
+            <a:r>
+              <a:rPr lang="da-DK" dirty="0">
+                <a:hlinkClick r:id="rId2"/>
+              </a:rPr>
+              <a:t>https://graphql.org/</a:t>
+            </a:r>
+            <a:endParaRPr lang="LID4096" dirty="0"/>
+          </a:p>
+        </p:txBody>
+      </p:sp>
+    </p:spTree>
+    <p:extLst>
+      <p:ext uri="{BB962C8B-B14F-4D97-AF65-F5344CB8AC3E}">
+        <p14:creationId xmlns:p14="http://schemas.microsoft.com/office/powerpoint/2010/main" val="1898730967"/>
+      </p:ext>
+    </p:extLst>
+  </p:cSld>
+  <p:clrMapOvr>
+    <a:masterClrMapping/>
+  </p:clrMapOvr>
+  <p:transition>
+    <p:fade/>
+  </p:transition>
+</p:sld>
+</file>
+
 <file path=ppt/slides/slide2.xml><?xml version="1.0" encoding="utf-8"?>
 <p:sld xmlns:a="http://schemas.openxmlformats.org/drawingml/2006/main" xmlns:r="http://schemas.openxmlformats.org/officeDocument/2006/relationships" xmlns:p="http://schemas.openxmlformats.org/presentationml/2006/main">
   <p:cSld>
@@ -57033,6 +57456,12 @@
               <a:t>CharactersController</a:t>
             </a:r>
             <a:endParaRPr lang="en-US" dirty="0"/>
+          </a:p>
+          <a:p>
+            <a:r>
+              <a:rPr lang="en-US" dirty="0"/>
+              <a:t>Design Patterns in Practice</a:t>
+            </a:r>
           </a:p>
           <a:p>
             <a:r>
@@ -57285,12 +57714,42 @@
           <a:chExt cx="0" cy="0"/>
         </a:xfrm>
       </p:grpSpPr>
+      <p:pic>
+        <p:nvPicPr>
+          <p:cNvPr id="5" name="Picture 4" descr="Black pattern background">
+            <a:extLst>
+              <a:ext uri="{FF2B5EF4-FFF2-40B4-BE49-F238E27FC236}">
+                <a16:creationId xmlns:a16="http://schemas.microsoft.com/office/drawing/2014/main" id="{4B86BA26-B390-4AB0-9D4F-28FA33C6A8F0}"/>
+              </a:ext>
+            </a:extLst>
+          </p:cNvPr>
+          <p:cNvPicPr>
+            <a:picLocks noChangeAspect="1"/>
+          </p:cNvPicPr>
+          <p:nvPr/>
+        </p:nvPicPr>
+        <p:blipFill rotWithShape="1">
+          <a:blip r:embed="rId2"/>
+          <a:srcRect t="5968" b="18275"/>
+          <a:stretch/>
+        </p:blipFill>
+        <p:spPr>
+          <a:xfrm>
+            <a:off x="20" y="10"/>
+            <a:ext cx="12191980" cy="6857990"/>
+          </a:xfrm>
+          <a:prstGeom prst="rect">
+            <a:avLst/>
+          </a:prstGeom>
+          <a:noFill/>
+        </p:spPr>
+      </p:pic>
       <p:sp>
         <p:nvSpPr>
           <p:cNvPr id="2" name="Title 1">
             <a:extLst>
               <a:ext uri="{FF2B5EF4-FFF2-40B4-BE49-F238E27FC236}">
-                <a16:creationId xmlns:a16="http://schemas.microsoft.com/office/drawing/2014/main" id="{F1C86310-9ED9-42B3-A03F-B555DCABDF4B}"/>
+                <a16:creationId xmlns:a16="http://schemas.microsoft.com/office/drawing/2014/main" id="{DA7F1B45-7908-45F7-A04C-CA7399C6F2AB}"/>
               </a:ext>
             </a:extLst>
           </p:cNvPr>
@@ -57301,41 +57760,38 @@
             <p:ph type="title"/>
           </p:nvPr>
         </p:nvSpPr>
-        <p:spPr/>
-        <p:txBody>
-          <a:bodyPr/>
+        <p:spPr>
+          <a:xfrm>
+            <a:off x="0" y="3657600"/>
+            <a:ext cx="12192000" cy="3200400"/>
+          </a:xfrm>
+        </p:spPr>
+        <p:txBody>
+          <a:bodyPr wrap="square" anchor="b">
+            <a:normAutofit/>
+          </a:bodyPr>
           <a:lstStyle/>
           <a:p>
             <a:r>
-              <a:rPr lang="en-US" noProof="0" dirty="0" err="1"/>
-              <a:t>gRPC</a:t>
-            </a:r>
-            <a:endParaRPr lang="en-US" noProof="0" dirty="0"/>
+              <a:rPr lang="en-US" dirty="0"/>
+              <a:t>Design Patterns in Practice</a:t>
+            </a:r>
           </a:p>
         </p:txBody>
       </p:sp>
     </p:spTree>
     <p:extLst>
       <p:ext uri="{BB962C8B-B14F-4D97-AF65-F5344CB8AC3E}">
-        <p14:creationId xmlns:p14="http://schemas.microsoft.com/office/powerpoint/2010/main" val="183565903"/>
+        <p14:creationId xmlns:p14="http://schemas.microsoft.com/office/powerpoint/2010/main" val="566257989"/>
       </p:ext>
     </p:extLst>
   </p:cSld>
   <p:clrMapOvr>
     <a:masterClrMapping/>
   </p:clrMapOvr>
-  <mc:AlternateContent xmlns:mc="http://schemas.openxmlformats.org/markup-compatibility/2006" xmlns:p14="http://schemas.microsoft.com/office/powerpoint/2010/main">
-    <mc:Choice Requires="p14">
-      <p:transition spd="med" p14:dur="700">
-        <p:fade/>
-      </p:transition>
-    </mc:Choice>
-    <mc:Fallback xmlns="">
-      <p:transition spd="med">
-        <p:fade/>
-      </p:transition>
-    </mc:Fallback>
-  </mc:AlternateContent>
+  <p:transition>
+    <p:fade/>
+  </p:transition>
 </p:sld>
 </file>
 
@@ -57358,10 +57814,10 @@
       </p:grpSpPr>
       <p:sp>
         <p:nvSpPr>
-          <p:cNvPr id="3" name="Title 2">
-            <a:extLst>
-              <a:ext uri="{FF2B5EF4-FFF2-40B4-BE49-F238E27FC236}">
-                <a16:creationId xmlns:a16="http://schemas.microsoft.com/office/drawing/2014/main" id="{3E3E855D-1666-4E0F-8580-A7BD1828D84B}"/>
+          <p:cNvPr id="2" name="Title 1">
+            <a:extLst>
+              <a:ext uri="{FF2B5EF4-FFF2-40B4-BE49-F238E27FC236}">
+                <a16:creationId xmlns:a16="http://schemas.microsoft.com/office/drawing/2014/main" id="{3C675E5D-0097-4CFE-BC2F-B66426B7C367}"/>
               </a:ext>
             </a:extLst>
           </p:cNvPr>
@@ -57378,22 +57834,22 @@
           <a:lstStyle/>
           <a:p>
             <a:r>
-              <a:rPr lang="en-US" noProof="0" dirty="0" err="1"/>
-              <a:t>gRPC</a:t>
-            </a:r>
-            <a:r>
-              <a:rPr lang="en-US" noProof="0" dirty="0"/>
-              <a:t> Remote Procedure Calls</a:t>
-            </a:r>
-          </a:p>
-        </p:txBody>
-      </p:sp>
-      <p:sp>
-        <p:nvSpPr>
-          <p:cNvPr id="4" name="Text Placeholder 3">
-            <a:extLst>
-              <a:ext uri="{FF2B5EF4-FFF2-40B4-BE49-F238E27FC236}">
-                <a16:creationId xmlns:a16="http://schemas.microsoft.com/office/drawing/2014/main" id="{F79AD97B-972D-4626-AC88-D90A7B5D3855}"/>
+              <a:rPr lang="en-US" dirty="0" err="1"/>
+              <a:t>IoC</a:t>
+            </a:r>
+            <a:r>
+              <a:rPr lang="en-US" dirty="0"/>
+              <a:t> Container</a:t>
+            </a:r>
+          </a:p>
+        </p:txBody>
+      </p:sp>
+      <p:sp>
+        <p:nvSpPr>
+          <p:cNvPr id="3" name="Text Placeholder 2">
+            <a:extLst>
+              <a:ext uri="{FF2B5EF4-FFF2-40B4-BE49-F238E27FC236}">
+                <a16:creationId xmlns:a16="http://schemas.microsoft.com/office/drawing/2014/main" id="{AE60B6F9-DC27-4A8E-B239-B30A4F4FBA9A}"/>
               </a:ext>
             </a:extLst>
           </p:cNvPr>
@@ -57407,7 +57863,7 @@
         <p:spPr>
           <a:xfrm>
             <a:off x="586390" y="1434370"/>
-            <a:ext cx="11018520" cy="2757678"/>
+            <a:ext cx="11018520" cy="4481227"/>
           </a:xfrm>
         </p:spPr>
         <p:txBody>
@@ -57415,94 +57871,90 @@
           <a:lstStyle/>
           <a:p>
             <a:r>
-              <a:rPr lang="en-US" noProof="0" dirty="0" err="1"/>
-              <a:t>gRPC</a:t>
-            </a:r>
-            <a:r>
-              <a:rPr lang="en-US" noProof="0" dirty="0"/>
-              <a:t> is a modern, open source, high-performance remote procedure call (RPC) framework that can run anywhere. </a:t>
-            </a:r>
-            <a:r>
-              <a:rPr lang="en-US" noProof="0" dirty="0" err="1"/>
-              <a:t>gRPC</a:t>
-            </a:r>
-            <a:r>
-              <a:rPr lang="en-US" noProof="0" dirty="0"/>
-              <a:t> enables client and server applications to communicate transparently, and simplifies the building of connected systems.</a:t>
-            </a:r>
-          </a:p>
-          <a:p>
-            <a:endParaRPr lang="en-US" noProof="0" dirty="0"/>
-          </a:p>
-          <a:p>
-            <a:r>
-              <a:rPr lang="en-US" noProof="0" dirty="0">
-                <a:latin typeface="Cascadia Code PL" panose="020B0609020000020004" pitchFamily="49" charset="0"/>
-                <a:cs typeface="Cascadia Code PL" panose="020B0609020000020004" pitchFamily="49" charset="0"/>
-              </a:rPr>
-              <a:t>$ dotnet new </a:t>
-            </a:r>
-            <a:r>
-              <a:rPr lang="en-US" noProof="0" dirty="0" err="1">
-                <a:latin typeface="Cascadia Code PL" panose="020B0609020000020004" pitchFamily="49" charset="0"/>
-                <a:cs typeface="Cascadia Code PL" panose="020B0609020000020004" pitchFamily="49" charset="0"/>
-              </a:rPr>
-              <a:t>grpc</a:t>
-            </a:r>
-            <a:endParaRPr lang="en-US" noProof="0" dirty="0">
-              <a:latin typeface="Cascadia Code PL" panose="020B0609020000020004" pitchFamily="49" charset="0"/>
-              <a:cs typeface="Cascadia Code PL" panose="020B0609020000020004" pitchFamily="49" charset="0"/>
-            </a:endParaRPr>
-          </a:p>
-        </p:txBody>
-      </p:sp>
-      <p:sp>
-        <p:nvSpPr>
-          <p:cNvPr id="6" name="TextBox 5">
-            <a:extLst>
-              <a:ext uri="{FF2B5EF4-FFF2-40B4-BE49-F238E27FC236}">
-                <a16:creationId xmlns:a16="http://schemas.microsoft.com/office/drawing/2014/main" id="{4AAE9A4C-A5AD-479A-8A35-0CACE1063665}"/>
-              </a:ext>
-            </a:extLst>
-          </p:cNvPr>
-          <p:cNvSpPr txBox="1"/>
-          <p:nvPr/>
-        </p:nvSpPr>
-        <p:spPr>
-          <a:xfrm>
-            <a:off x="5264150" y="6269627"/>
-            <a:ext cx="6738620" cy="363946"/>
-          </a:xfrm>
-          <a:prstGeom prst="rect">
-            <a:avLst/>
-          </a:prstGeom>
-          <a:noFill/>
-        </p:spPr>
-        <p:txBody>
-          <a:bodyPr wrap="square">
-            <a:spAutoFit/>
-          </a:bodyPr>
-          <a:lstStyle/>
-          <a:p>
-            <a:pPr algn="r"/>
-            <a:r>
-              <a:rPr lang="da-DK" dirty="0"/>
-              <a:t>Source: </a:t>
-            </a:r>
-            <a:r>
-              <a:rPr lang="da-DK" dirty="0">
-                <a:hlinkClick r:id="rId2"/>
-              </a:rPr>
-              <a:t>https://github.com/grpc/grpc</a:t>
-            </a:r>
-            <a:endParaRPr lang="LID4096" dirty="0"/>
+              <a:rPr lang="en-US" dirty="0"/>
+              <a:t>Tool to facilitate </a:t>
+            </a:r>
+            <a:r>
+              <a:rPr lang="en-US" i="1" dirty="0"/>
+              <a:t>dependency injection</a:t>
+            </a:r>
+            <a:r>
+              <a:rPr lang="en-US" dirty="0"/>
+              <a:t>.</a:t>
+            </a:r>
+          </a:p>
+          <a:p>
+            <a:r>
+              <a:rPr lang="en-US" dirty="0"/>
+              <a:t>Using a factory to either manually or automatically create types at runtime.</a:t>
+            </a:r>
+          </a:p>
+          <a:p>
+            <a:r>
+              <a:rPr lang="en-US" dirty="0"/>
+              <a:t>Various implementations:</a:t>
+            </a:r>
+          </a:p>
+          <a:p>
+            <a:pPr marL="457200" indent="-457200">
+              <a:buFont typeface="Arial" panose="020B0604020202020204" pitchFamily="34" charset="0"/>
+              <a:buChar char="•"/>
+            </a:pPr>
+            <a:r>
+              <a:rPr lang="en-US" dirty="0" err="1"/>
+              <a:t>Microsoft.Extensions.DependencyInjection</a:t>
+            </a:r>
+            <a:endParaRPr lang="en-US" dirty="0"/>
+          </a:p>
+          <a:p>
+            <a:pPr marL="457200" indent="-457200">
+              <a:buFont typeface="Arial" panose="020B0604020202020204" pitchFamily="34" charset="0"/>
+              <a:buChar char="•"/>
+            </a:pPr>
+            <a:r>
+              <a:rPr lang="en-US" dirty="0" err="1"/>
+              <a:t>Ninject</a:t>
+            </a:r>
+            <a:endParaRPr lang="en-US" dirty="0"/>
+          </a:p>
+          <a:p>
+            <a:pPr marL="457200" indent="-457200">
+              <a:buFont typeface="Arial" panose="020B0604020202020204" pitchFamily="34" charset="0"/>
+              <a:buChar char="•"/>
+            </a:pPr>
+            <a:r>
+              <a:rPr lang="en-US" dirty="0"/>
+              <a:t>Unity</a:t>
+            </a:r>
+          </a:p>
+          <a:p>
+            <a:pPr marL="457200" indent="-457200">
+              <a:buFont typeface="Arial" panose="020B0604020202020204" pitchFamily="34" charset="0"/>
+              <a:buChar char="•"/>
+            </a:pPr>
+            <a:r>
+              <a:rPr lang="en-US" dirty="0" err="1"/>
+              <a:t>AutoFac</a:t>
+            </a:r>
+            <a:endParaRPr lang="en-US" dirty="0"/>
+          </a:p>
+          <a:p>
+            <a:pPr marL="457200" indent="-457200">
+              <a:buFont typeface="Arial" panose="020B0604020202020204" pitchFamily="34" charset="0"/>
+              <a:buChar char="•"/>
+            </a:pPr>
+            <a:r>
+              <a:rPr lang="en-US" dirty="0" err="1"/>
+              <a:t>StructureMap</a:t>
+            </a:r>
+            <a:endParaRPr lang="en-US" dirty="0"/>
           </a:p>
         </p:txBody>
       </p:sp>
     </p:spTree>
     <p:extLst>
       <p:ext uri="{BB962C8B-B14F-4D97-AF65-F5344CB8AC3E}">
-        <p14:creationId xmlns:p14="http://schemas.microsoft.com/office/powerpoint/2010/main" val="546638364"/>
+        <p14:creationId xmlns:p14="http://schemas.microsoft.com/office/powerpoint/2010/main" val="985669017"/>
       </p:ext>
     </p:extLst>
   </p:cSld>
@@ -57537,7 +57989,7 @@
           <p:cNvPr id="2" name="Title 1">
             <a:extLst>
               <a:ext uri="{FF2B5EF4-FFF2-40B4-BE49-F238E27FC236}">
-                <a16:creationId xmlns:a16="http://schemas.microsoft.com/office/drawing/2014/main" id="{F1C86310-9ED9-42B3-A03F-B555DCABDF4B}"/>
+                <a16:creationId xmlns:a16="http://schemas.microsoft.com/office/drawing/2014/main" id="{22D1D2A3-0AF1-42E5-AA03-ECE43847C364}"/>
               </a:ext>
             </a:extLst>
           </p:cNvPr>
@@ -57548,41 +58000,450 @@
             <p:ph type="title"/>
           </p:nvPr>
         </p:nvSpPr>
-        <p:spPr/>
+        <p:spPr>
+          <a:xfrm>
+            <a:off x="588263" y="457200"/>
+            <a:ext cx="11018520" cy="553998"/>
+          </a:xfrm>
+        </p:spPr>
         <p:txBody>
           <a:bodyPr/>
           <a:lstStyle/>
           <a:p>
             <a:r>
-              <a:rPr lang="en-US" noProof="0" dirty="0" err="1"/>
-              <a:t>GraphQL</a:t>
-            </a:r>
-            <a:endParaRPr lang="en-US" noProof="0" dirty="0"/>
+              <a:rPr lang="en-US" dirty="0" err="1"/>
+              <a:t>IoC</a:t>
+            </a:r>
+            <a:r>
+              <a:rPr lang="en-US" dirty="0"/>
+              <a:t> Container II</a:t>
+            </a:r>
+          </a:p>
+        </p:txBody>
+      </p:sp>
+      <p:sp>
+        <p:nvSpPr>
+          <p:cNvPr id="3" name="Text Placeholder 2">
+            <a:extLst>
+              <a:ext uri="{FF2B5EF4-FFF2-40B4-BE49-F238E27FC236}">
+                <a16:creationId xmlns:a16="http://schemas.microsoft.com/office/drawing/2014/main" id="{DCFF06C6-141C-4E16-8340-252F0D631019}"/>
+              </a:ext>
+            </a:extLst>
+          </p:cNvPr>
+          <p:cNvSpPr>
+            <a:spLocks noGrp="1"/>
+          </p:cNvSpPr>
+          <p:nvPr>
+            <p:ph type="body" sz="quarter" idx="10"/>
+          </p:nvPr>
+        </p:nvSpPr>
+        <p:spPr>
+          <a:xfrm>
+            <a:off x="586390" y="1434370"/>
+            <a:ext cx="11018520" cy="2499146"/>
+          </a:xfrm>
+        </p:spPr>
+        <p:txBody>
+          <a:bodyPr/>
+          <a:lstStyle/>
+          <a:p>
+            <a:r>
+              <a:rPr lang="en-US" dirty="0"/>
+              <a:t>Lifetime:</a:t>
+            </a:r>
+          </a:p>
+          <a:p>
+            <a:endParaRPr lang="en-US" dirty="0"/>
+          </a:p>
+          <a:p>
+            <a:r>
+              <a:rPr lang="en-US" dirty="0"/>
+              <a:t>Transient</a:t>
+            </a:r>
+          </a:p>
+          <a:p>
+            <a:r>
+              <a:rPr lang="en-US" dirty="0"/>
+              <a:t>Scoped</a:t>
+            </a:r>
+          </a:p>
+          <a:p>
+            <a:r>
+              <a:rPr lang="en-US" dirty="0"/>
+              <a:t>Singleton</a:t>
+            </a:r>
+          </a:p>
+        </p:txBody>
+      </p:sp>
+      <p:sp>
+        <p:nvSpPr>
+          <p:cNvPr id="4" name="Text Placeholder 2">
+            <a:extLst>
+              <a:ext uri="{FF2B5EF4-FFF2-40B4-BE49-F238E27FC236}">
+                <a16:creationId xmlns:a16="http://schemas.microsoft.com/office/drawing/2014/main" id="{E812DF4D-6632-4E81-A1E4-4D51AD3ECEE8}"/>
+              </a:ext>
+            </a:extLst>
+          </p:cNvPr>
+          <p:cNvSpPr txBox="1">
+            <a:spLocks/>
+          </p:cNvSpPr>
+          <p:nvPr/>
+        </p:nvSpPr>
+        <p:spPr>
+          <a:xfrm>
+            <a:off x="586390" y="1434370"/>
+            <a:ext cx="11018520" cy="2499146"/>
+          </a:xfrm>
+          <a:prstGeom prst="rect">
+            <a:avLst/>
+          </a:prstGeom>
+        </p:spPr>
+        <p:txBody>
+          <a:bodyPr vert="horz" wrap="square" lIns="0" tIns="0" rIns="0" bIns="0" rtlCol="0">
+            <a:spAutoFit/>
+          </a:bodyPr>
+          <a:lstStyle>
+            <a:lvl1pPr marL="0" marR="0" indent="0" algn="l" defTabSz="932742" rtl="0" eaLnBrk="1" fontAlgn="auto" latinLnBrk="0" hangingPunct="1">
+              <a:lnSpc>
+                <a:spcPct val="100000"/>
+              </a:lnSpc>
+              <a:spcBef>
+                <a:spcPct val="20000"/>
+              </a:spcBef>
+              <a:spcAft>
+                <a:spcPts val="0"/>
+              </a:spcAft>
+              <a:buClrTx/>
+              <a:buSzPct val="90000"/>
+              <a:buFont typeface="Wingdings" panose="05000000000000000000" pitchFamily="2" charset="2"/>
+              <a:buNone/>
+              <a:tabLst/>
+              <a:defRPr sz="2800" kern="1200" spc="0" baseline="0">
+                <a:gradFill>
+                  <a:gsLst>
+                    <a:gs pos="1250">
+                      <a:schemeClr val="tx1"/>
+                    </a:gs>
+                    <a:gs pos="100000">
+                      <a:schemeClr val="tx1"/>
+                    </a:gs>
+                  </a:gsLst>
+                  <a:lin ang="5400000" scaled="0"/>
+                </a:gradFill>
+                <a:latin typeface="+mn-lt"/>
+                <a:ea typeface="+mn-ea"/>
+                <a:cs typeface="Segoe UI" panose="020B0502040204020203" pitchFamily="34" charset="0"/>
+              </a:defRPr>
+            </a:lvl1pPr>
+            <a:lvl2pPr marL="228600" marR="0" indent="0" algn="l" defTabSz="932742" rtl="0" eaLnBrk="1" fontAlgn="auto" latinLnBrk="0" hangingPunct="1">
+              <a:lnSpc>
+                <a:spcPct val="100000"/>
+              </a:lnSpc>
+              <a:spcBef>
+                <a:spcPct val="20000"/>
+              </a:spcBef>
+              <a:spcAft>
+                <a:spcPts val="0"/>
+              </a:spcAft>
+              <a:buClrTx/>
+              <a:buSzPct val="90000"/>
+              <a:buFont typeface="Wingdings" panose="05000000000000000000" pitchFamily="2" charset="2"/>
+              <a:buNone/>
+              <a:tabLst/>
+              <a:defRPr sz="2000" kern="1200" spc="0" baseline="0">
+                <a:gradFill>
+                  <a:gsLst>
+                    <a:gs pos="1250">
+                      <a:schemeClr val="tx1"/>
+                    </a:gs>
+                    <a:gs pos="100000">
+                      <a:schemeClr val="tx1"/>
+                    </a:gs>
+                  </a:gsLst>
+                  <a:lin ang="5400000" scaled="0"/>
+                </a:gradFill>
+                <a:latin typeface="+mn-lt"/>
+                <a:ea typeface="+mn-ea"/>
+                <a:cs typeface="+mn-cs"/>
+              </a:defRPr>
+            </a:lvl2pPr>
+            <a:lvl3pPr marL="457200" marR="0" indent="0" algn="l" defTabSz="932742" rtl="0" eaLnBrk="1" fontAlgn="auto" latinLnBrk="0" hangingPunct="1">
+              <a:lnSpc>
+                <a:spcPct val="100000"/>
+              </a:lnSpc>
+              <a:spcBef>
+                <a:spcPct val="20000"/>
+              </a:spcBef>
+              <a:spcAft>
+                <a:spcPts val="0"/>
+              </a:spcAft>
+              <a:buClrTx/>
+              <a:buSzPct val="90000"/>
+              <a:buFont typeface="Wingdings" panose="05000000000000000000" pitchFamily="2" charset="2"/>
+              <a:buNone/>
+              <a:tabLst/>
+              <a:defRPr sz="1600" kern="1200" spc="0" baseline="0">
+                <a:gradFill>
+                  <a:gsLst>
+                    <a:gs pos="1250">
+                      <a:schemeClr val="tx1"/>
+                    </a:gs>
+                    <a:gs pos="100000">
+                      <a:schemeClr val="tx1"/>
+                    </a:gs>
+                  </a:gsLst>
+                  <a:lin ang="5400000" scaled="0"/>
+                </a:gradFill>
+                <a:latin typeface="+mn-lt"/>
+                <a:ea typeface="+mn-ea"/>
+                <a:cs typeface="+mn-cs"/>
+              </a:defRPr>
+            </a:lvl3pPr>
+            <a:lvl4pPr marL="685800" marR="0" indent="0" algn="l" defTabSz="932742" rtl="0" eaLnBrk="1" fontAlgn="auto" latinLnBrk="0" hangingPunct="1">
+              <a:lnSpc>
+                <a:spcPct val="100000"/>
+              </a:lnSpc>
+              <a:spcBef>
+                <a:spcPct val="20000"/>
+              </a:spcBef>
+              <a:spcAft>
+                <a:spcPts val="0"/>
+              </a:spcAft>
+              <a:buClrTx/>
+              <a:buSzPct val="90000"/>
+              <a:buFont typeface="Wingdings" panose="05000000000000000000" pitchFamily="2" charset="2"/>
+              <a:buNone/>
+              <a:tabLst/>
+              <a:defRPr sz="1400" kern="1200" spc="0" baseline="0">
+                <a:gradFill>
+                  <a:gsLst>
+                    <a:gs pos="1250">
+                      <a:schemeClr val="tx1"/>
+                    </a:gs>
+                    <a:gs pos="100000">
+                      <a:schemeClr val="tx1"/>
+                    </a:gs>
+                  </a:gsLst>
+                  <a:lin ang="5400000" scaled="0"/>
+                </a:gradFill>
+                <a:latin typeface="+mn-lt"/>
+                <a:ea typeface="+mn-ea"/>
+                <a:cs typeface="+mn-cs"/>
+              </a:defRPr>
+            </a:lvl4pPr>
+            <a:lvl5pPr marL="914400" marR="0" indent="0" algn="l" defTabSz="932742" rtl="0" eaLnBrk="1" fontAlgn="auto" latinLnBrk="0" hangingPunct="1">
+              <a:lnSpc>
+                <a:spcPct val="100000"/>
+              </a:lnSpc>
+              <a:spcBef>
+                <a:spcPct val="20000"/>
+              </a:spcBef>
+              <a:spcAft>
+                <a:spcPts val="0"/>
+              </a:spcAft>
+              <a:buClrTx/>
+              <a:buSzPct val="90000"/>
+              <a:buFont typeface="Wingdings" panose="05000000000000000000" pitchFamily="2" charset="2"/>
+              <a:buNone/>
+              <a:tabLst/>
+              <a:defRPr sz="1400" kern="1200" spc="0" baseline="0">
+                <a:gradFill>
+                  <a:gsLst>
+                    <a:gs pos="1250">
+                      <a:schemeClr val="tx1"/>
+                    </a:gs>
+                    <a:gs pos="100000">
+                      <a:schemeClr val="tx1"/>
+                    </a:gs>
+                  </a:gsLst>
+                  <a:lin ang="5400000" scaled="0"/>
+                </a:gradFill>
+                <a:latin typeface="+mn-lt"/>
+                <a:ea typeface="+mn-ea"/>
+                <a:cs typeface="+mn-cs"/>
+              </a:defRPr>
+            </a:lvl5pPr>
+            <a:lvl6pPr marL="2565040" indent="-233186" algn="l" defTabSz="932742" rtl="0" eaLnBrk="1" latinLnBrk="0" hangingPunct="1">
+              <a:spcBef>
+                <a:spcPct val="20000"/>
+              </a:spcBef>
+              <a:buFont typeface="Arial" pitchFamily="34" charset="0"/>
+              <a:buChar char="•"/>
+              <a:defRPr sz="2000" kern="1200">
+                <a:solidFill>
+                  <a:schemeClr val="tx1"/>
+                </a:solidFill>
+                <a:latin typeface="+mn-lt"/>
+                <a:ea typeface="+mn-ea"/>
+                <a:cs typeface="+mn-cs"/>
+              </a:defRPr>
+            </a:lvl6pPr>
+            <a:lvl7pPr marL="3031412" indent="-233186" algn="l" defTabSz="932742" rtl="0" eaLnBrk="1" latinLnBrk="0" hangingPunct="1">
+              <a:spcBef>
+                <a:spcPct val="20000"/>
+              </a:spcBef>
+              <a:buFont typeface="Arial" pitchFamily="34" charset="0"/>
+              <a:buChar char="•"/>
+              <a:defRPr sz="2000" kern="1200">
+                <a:solidFill>
+                  <a:schemeClr val="tx1"/>
+                </a:solidFill>
+                <a:latin typeface="+mn-lt"/>
+                <a:ea typeface="+mn-ea"/>
+                <a:cs typeface="+mn-cs"/>
+              </a:defRPr>
+            </a:lvl7pPr>
+            <a:lvl8pPr marL="3497783" indent="-233186" algn="l" defTabSz="932742" rtl="0" eaLnBrk="1" latinLnBrk="0" hangingPunct="1">
+              <a:spcBef>
+                <a:spcPct val="20000"/>
+              </a:spcBef>
+              <a:buFont typeface="Arial" pitchFamily="34" charset="0"/>
+              <a:buChar char="•"/>
+              <a:defRPr sz="2000" kern="1200">
+                <a:solidFill>
+                  <a:schemeClr val="tx1"/>
+                </a:solidFill>
+                <a:latin typeface="+mn-lt"/>
+                <a:ea typeface="+mn-ea"/>
+                <a:cs typeface="+mn-cs"/>
+              </a:defRPr>
+            </a:lvl8pPr>
+            <a:lvl9pPr marL="3964155" indent="-233186" algn="l" defTabSz="932742" rtl="0" eaLnBrk="1" latinLnBrk="0" hangingPunct="1">
+              <a:spcBef>
+                <a:spcPct val="20000"/>
+              </a:spcBef>
+              <a:buFont typeface="Arial" pitchFamily="34" charset="0"/>
+              <a:buChar char="•"/>
+              <a:defRPr sz="2000" kern="1200">
+                <a:solidFill>
+                  <a:schemeClr val="tx1"/>
+                </a:solidFill>
+                <a:latin typeface="+mn-lt"/>
+                <a:ea typeface="+mn-ea"/>
+                <a:cs typeface="+mn-cs"/>
+              </a:defRPr>
+            </a:lvl9pPr>
+          </a:lstStyle>
+          <a:p>
+            <a:r>
+              <a:rPr lang="en-US" dirty="0"/>
+              <a:t>Lifetime:</a:t>
+            </a:r>
+          </a:p>
+          <a:p>
+            <a:endParaRPr lang="en-US" dirty="0"/>
+          </a:p>
+          <a:p>
+            <a:r>
+              <a:rPr lang="en-US" dirty="0"/>
+              <a:t>Transient (every time)</a:t>
+            </a:r>
+          </a:p>
+          <a:p>
+            <a:r>
+              <a:rPr lang="en-US" dirty="0"/>
+              <a:t>Scoped (once per request)</a:t>
+            </a:r>
+          </a:p>
+          <a:p>
+            <a:r>
+              <a:rPr lang="en-US" dirty="0"/>
+              <a:t>Singleton (once)</a:t>
+            </a:r>
           </a:p>
         </p:txBody>
       </p:sp>
     </p:spTree>
     <p:extLst>
       <p:ext uri="{BB962C8B-B14F-4D97-AF65-F5344CB8AC3E}">
-        <p14:creationId xmlns:p14="http://schemas.microsoft.com/office/powerpoint/2010/main" val="2348342776"/>
+        <p14:creationId xmlns:p14="http://schemas.microsoft.com/office/powerpoint/2010/main" val="1655590384"/>
       </p:ext>
     </p:extLst>
   </p:cSld>
   <p:clrMapOvr>
     <a:masterClrMapping/>
   </p:clrMapOvr>
-  <mc:AlternateContent xmlns:mc="http://schemas.openxmlformats.org/markup-compatibility/2006" xmlns:p14="http://schemas.microsoft.com/office/powerpoint/2010/main">
-    <mc:Choice Requires="p14">
-      <p:transition spd="med" p14:dur="700">
-        <p:fade/>
-      </p:transition>
-    </mc:Choice>
-    <mc:Fallback xmlns="">
-      <p:transition spd="med">
-        <p:fade/>
-      </p:transition>
-    </mc:Fallback>
-  </mc:AlternateContent>
+  <p:transition>
+    <p:fade/>
+  </p:transition>
+  <p:timing>
+    <p:tnLst>
+      <p:par>
+        <p:cTn id="1" dur="indefinite" restart="never" nodeType="tmRoot">
+          <p:childTnLst>
+            <p:seq concurrent="1" nextAc="seek">
+              <p:cTn id="2" dur="indefinite" nodeType="mainSeq">
+                <p:childTnLst>
+                  <p:par>
+                    <p:cTn id="3" fill="hold">
+                      <p:stCondLst>
+                        <p:cond delay="indefinite"/>
+                      </p:stCondLst>
+                      <p:childTnLst>
+                        <p:par>
+                          <p:cTn id="4" fill="hold">
+                            <p:stCondLst>
+                              <p:cond delay="0"/>
+                            </p:stCondLst>
+                            <p:childTnLst>
+                              <p:par>
+                                <p:cTn id="5" presetID="1" presetClass="entr" presetSubtype="0" fill="hold" grpId="0" nodeType="clickEffect">
+                                  <p:stCondLst>
+                                    <p:cond delay="0"/>
+                                  </p:stCondLst>
+                                  <p:childTnLst>
+                                    <p:set>
+                                      <p:cBhvr>
+                                        <p:cTn id="6" dur="1" fill="hold">
+                                          <p:stCondLst>
+                                            <p:cond delay="0"/>
+                                          </p:stCondLst>
+                                        </p:cTn>
+                                        <p:tgtEl>
+                                          <p:spTgt spid="4"/>
+                                        </p:tgtEl>
+                                        <p:attrNameLst>
+                                          <p:attrName>style.visibility</p:attrName>
+                                        </p:attrNameLst>
+                                      </p:cBhvr>
+                                      <p:to>
+                                        <p:strVal val="visible"/>
+                                      </p:to>
+                                    </p:set>
+                                  </p:childTnLst>
+                                </p:cTn>
+                              </p:par>
+                            </p:childTnLst>
+                          </p:cTn>
+                        </p:par>
+                      </p:childTnLst>
+                    </p:cTn>
+                  </p:par>
+                </p:childTnLst>
+              </p:cTn>
+              <p:prevCondLst>
+                <p:cond evt="onPrev" delay="0">
+                  <p:tgtEl>
+                    <p:sldTgt/>
+                  </p:tgtEl>
+                </p:cond>
+              </p:prevCondLst>
+              <p:nextCondLst>
+                <p:cond evt="onNext" delay="0">
+                  <p:tgtEl>
+                    <p:sldTgt/>
+                  </p:tgtEl>
+                </p:cond>
+              </p:nextCondLst>
+            </p:seq>
+          </p:childTnLst>
+        </p:cTn>
+      </p:par>
+    </p:tnLst>
+    <p:bldLst>
+      <p:bldP spid="4" grpId="0"/>
+    </p:bldLst>
+  </p:timing>
 </p:sld>
 </file>
 
@@ -57605,10 +58466,10 @@
       </p:grpSpPr>
       <p:sp>
         <p:nvSpPr>
-          <p:cNvPr id="3" name="Title 2">
-            <a:extLst>
-              <a:ext uri="{FF2B5EF4-FFF2-40B4-BE49-F238E27FC236}">
-                <a16:creationId xmlns:a16="http://schemas.microsoft.com/office/drawing/2014/main" id="{3E3E855D-1666-4E0F-8580-A7BD1828D84B}"/>
+          <p:cNvPr id="2" name="Title 1">
+            <a:extLst>
+              <a:ext uri="{FF2B5EF4-FFF2-40B4-BE49-F238E27FC236}">
+                <a16:creationId xmlns:a16="http://schemas.microsoft.com/office/drawing/2014/main" id="{6E5F1F24-3C6C-4CB2-8E7B-35FD39E3D81D}"/>
               </a:ext>
             </a:extLst>
           </p:cNvPr>
@@ -57625,19 +58486,19 @@
           <a:lstStyle/>
           <a:p>
             <a:r>
-              <a:rPr lang="en-US" noProof="0" dirty="0" err="1"/>
-              <a:t>GraphQL</a:t>
-            </a:r>
-            <a:endParaRPr lang="en-US" noProof="0" dirty="0"/>
-          </a:p>
-        </p:txBody>
-      </p:sp>
-      <p:sp>
-        <p:nvSpPr>
-          <p:cNvPr id="4" name="Text Placeholder 3">
-            <a:extLst>
-              <a:ext uri="{FF2B5EF4-FFF2-40B4-BE49-F238E27FC236}">
-                <a16:creationId xmlns:a16="http://schemas.microsoft.com/office/drawing/2014/main" id="{F79AD97B-972D-4626-AC88-D90A7B5D3855}"/>
+              <a:rPr lang="da-DK" dirty="0"/>
+              <a:t>Builder</a:t>
+            </a:r>
+            <a:endParaRPr lang="LID4096" dirty="0"/>
+          </a:p>
+        </p:txBody>
+      </p:sp>
+      <p:sp>
+        <p:nvSpPr>
+          <p:cNvPr id="3" name="Text Placeholder 2">
+            <a:extLst>
+              <a:ext uri="{FF2B5EF4-FFF2-40B4-BE49-F238E27FC236}">
+                <a16:creationId xmlns:a16="http://schemas.microsoft.com/office/drawing/2014/main" id="{26A5AC53-87BD-4EBB-A249-1D87DE001A48}"/>
               </a:ext>
             </a:extLst>
           </p:cNvPr>
@@ -57651,7 +58512,7 @@
         <p:spPr>
           <a:xfrm>
             <a:off x="586390" y="1434370"/>
-            <a:ext cx="11018520" cy="2585323"/>
+            <a:ext cx="11018520" cy="2499146"/>
           </a:xfrm>
         </p:spPr>
         <p:txBody>
@@ -57659,75 +58520,344 @@
           <a:lstStyle/>
           <a:p>
             <a:r>
-              <a:rPr lang="en-US" noProof="0" dirty="0" err="1"/>
-              <a:t>GraphQL</a:t>
-            </a:r>
-            <a:r>
-              <a:rPr lang="en-US" noProof="0" dirty="0"/>
-              <a:t> is a query language for APIs and a runtime for fulfilling those queries with your existing data. </a:t>
-            </a:r>
-            <a:r>
-              <a:rPr lang="en-US" noProof="0" dirty="0" err="1"/>
-              <a:t>GraphQL</a:t>
-            </a:r>
-            <a:r>
-              <a:rPr lang="en-US" noProof="0" dirty="0"/>
-              <a:t> provides a complete and understandable description of the data in your API, gives clients the power to ask for exactly what they need and nothing more, makes it easier to evolve APIs over time, and enables powerful developer tools.</a:t>
-            </a:r>
-            <a:endParaRPr lang="en-US" noProof="0" dirty="0">
-              <a:latin typeface="Cascadia Code PL" panose="020B0609020000020004" pitchFamily="49" charset="0"/>
-              <a:cs typeface="Cascadia Code PL" panose="020B0609020000020004" pitchFamily="49" charset="0"/>
-            </a:endParaRPr>
-          </a:p>
-        </p:txBody>
-      </p:sp>
-      <p:sp>
-        <p:nvSpPr>
-          <p:cNvPr id="6" name="TextBox 5">
-            <a:extLst>
-              <a:ext uri="{FF2B5EF4-FFF2-40B4-BE49-F238E27FC236}">
-                <a16:creationId xmlns:a16="http://schemas.microsoft.com/office/drawing/2014/main" id="{4AAE9A4C-A5AD-479A-8A35-0CACE1063665}"/>
-              </a:ext>
-            </a:extLst>
-          </p:cNvPr>
-          <p:cNvSpPr txBox="1"/>
+              <a:rPr lang="en-US" dirty="0"/>
+              <a:t>Separate the construction of a complex object from its representation</a:t>
+            </a:r>
+          </a:p>
+          <a:p>
+            <a:endParaRPr lang="en-US" dirty="0"/>
+          </a:p>
+          <a:p>
+            <a:r>
+              <a:rPr lang="da-DK" dirty="0"/>
+              <a:t>serviceCollection.AddScoped&lt;,&gt;();</a:t>
+            </a:r>
+          </a:p>
+          <a:p>
+            <a:r>
+              <a:rPr lang="da-DK" dirty="0"/>
+              <a:t>serviceCollection.BuildServiceProvider();</a:t>
+            </a:r>
+          </a:p>
+          <a:p>
+            <a:endParaRPr lang="LID4096" dirty="0"/>
+          </a:p>
+        </p:txBody>
+      </p:sp>
+      <p:pic>
+        <p:nvPicPr>
+          <p:cNvPr id="5" name="Picture 4" descr="A close up of a logo&#10;&#10;Description automatically generated">
+            <a:extLst>
+              <a:ext uri="{FF2B5EF4-FFF2-40B4-BE49-F238E27FC236}">
+                <a16:creationId xmlns:a16="http://schemas.microsoft.com/office/drawing/2014/main" id="{D73F0B51-6D2D-4D7E-9F63-B930A13607AD}"/>
+              </a:ext>
+            </a:extLst>
+          </p:cNvPr>
+          <p:cNvPicPr>
+            <a:picLocks noChangeAspect="1"/>
+          </p:cNvPicPr>
           <p:nvPr/>
-        </p:nvSpPr>
-        <p:spPr>
-          <a:xfrm>
-            <a:off x="5264150" y="6269627"/>
-            <a:ext cx="6738620" cy="363946"/>
+        </p:nvPicPr>
+        <p:blipFill>
+          <a:blip r:embed="rId2"/>
+          <a:stretch>
+            <a:fillRect/>
+          </a:stretch>
+        </p:blipFill>
+        <p:spPr>
+          <a:xfrm>
+            <a:off x="2591238" y="3429000"/>
+            <a:ext cx="9525000" cy="3267075"/>
           </a:xfrm>
           <a:prstGeom prst="rect">
             <a:avLst/>
           </a:prstGeom>
-          <a:noFill/>
-        </p:spPr>
-        <p:txBody>
-          <a:bodyPr wrap="square">
-            <a:spAutoFit/>
-          </a:bodyPr>
-          <a:lstStyle/>
-          <a:p>
-            <a:pPr algn="r"/>
-            <a:r>
-              <a:rPr lang="da-DK" dirty="0"/>
-              <a:t>Source: </a:t>
-            </a:r>
-            <a:r>
-              <a:rPr lang="da-DK" dirty="0">
-                <a:hlinkClick r:id="rId2"/>
-              </a:rPr>
-              <a:t>https://graphql.org/</a:t>
-            </a:r>
-            <a:endParaRPr lang="LID4096" dirty="0"/>
-          </a:p>
-        </p:txBody>
-      </p:sp>
+        </p:spPr>
+      </p:pic>
     </p:spTree>
     <p:extLst>
       <p:ext uri="{BB962C8B-B14F-4D97-AF65-F5344CB8AC3E}">
-        <p14:creationId xmlns:p14="http://schemas.microsoft.com/office/powerpoint/2010/main" val="1898730967"/>
+        <p14:creationId xmlns:p14="http://schemas.microsoft.com/office/powerpoint/2010/main" val="2623749093"/>
+      </p:ext>
+    </p:extLst>
+  </p:cSld>
+  <p:clrMapOvr>
+    <a:masterClrMapping/>
+  </p:clrMapOvr>
+  <p:transition>
+    <p:fade/>
+  </p:transition>
+</p:sld>
+</file>
+
+<file path=ppt/slides/slide8.xml><?xml version="1.0" encoding="utf-8"?>
+<p:sld xmlns:a="http://schemas.openxmlformats.org/drawingml/2006/main" xmlns:r="http://schemas.openxmlformats.org/officeDocument/2006/relationships" xmlns:p="http://schemas.openxmlformats.org/presentationml/2006/main">
+  <p:cSld>
+    <p:spTree>
+      <p:nvGrpSpPr>
+        <p:cNvPr id="1" name=""/>
+        <p:cNvGrpSpPr/>
+        <p:nvPr/>
+      </p:nvGrpSpPr>
+      <p:grpSpPr>
+        <a:xfrm>
+          <a:off x="0" y="0"/>
+          <a:ext cx="0" cy="0"/>
+          <a:chOff x="0" y="0"/>
+          <a:chExt cx="0" cy="0"/>
+        </a:xfrm>
+      </p:grpSpPr>
+      <p:sp>
+        <p:nvSpPr>
+          <p:cNvPr id="2" name="Title 1">
+            <a:extLst>
+              <a:ext uri="{FF2B5EF4-FFF2-40B4-BE49-F238E27FC236}">
+                <a16:creationId xmlns:a16="http://schemas.microsoft.com/office/drawing/2014/main" id="{67947D04-075F-469C-AA7E-0C6FAAD2D5C6}"/>
+              </a:ext>
+            </a:extLst>
+          </p:cNvPr>
+          <p:cNvSpPr>
+            <a:spLocks noGrp="1"/>
+          </p:cNvSpPr>
+          <p:nvPr>
+            <p:ph type="title"/>
+          </p:nvPr>
+        </p:nvSpPr>
+        <p:spPr/>
+        <p:txBody>
+          <a:bodyPr/>
+          <a:lstStyle/>
+          <a:p>
+            <a:r>
+              <a:rPr lang="en-US" dirty="0"/>
+              <a:t>Singleton</a:t>
+            </a:r>
+          </a:p>
+        </p:txBody>
+      </p:sp>
+      <p:sp>
+        <p:nvSpPr>
+          <p:cNvPr id="3" name="Text Placeholder 2">
+            <a:extLst>
+              <a:ext uri="{FF2B5EF4-FFF2-40B4-BE49-F238E27FC236}">
+                <a16:creationId xmlns:a16="http://schemas.microsoft.com/office/drawing/2014/main" id="{7D2CCC3C-0EAC-4E8C-9F4D-14A8DA8795C9}"/>
+              </a:ext>
+            </a:extLst>
+          </p:cNvPr>
+          <p:cNvSpPr>
+            <a:spLocks noGrp="1"/>
+          </p:cNvSpPr>
+          <p:nvPr>
+            <p:ph type="body" sz="quarter" idx="10"/>
+          </p:nvPr>
+        </p:nvSpPr>
+        <p:spPr>
+          <a:xfrm>
+            <a:off x="586390" y="1434370"/>
+            <a:ext cx="11018520" cy="3447098"/>
+          </a:xfrm>
+        </p:spPr>
+        <p:txBody>
+          <a:bodyPr/>
+          <a:lstStyle/>
+          <a:p>
+            <a:r>
+              <a:rPr lang="en-US" dirty="0"/>
+              <a:t>Only ever one single instance of a given type.</a:t>
+            </a:r>
+          </a:p>
+          <a:p>
+            <a:endParaRPr lang="en-US" dirty="0"/>
+          </a:p>
+          <a:p>
+            <a:r>
+              <a:rPr lang="en-US" dirty="0"/>
+              <a:t>Considered an anti-pattern by many, it:</a:t>
+            </a:r>
+          </a:p>
+          <a:p>
+            <a:pPr marL="457200" indent="-457200">
+              <a:buFont typeface="Arial" panose="020B0604020202020204" pitchFamily="34" charset="0"/>
+              <a:buChar char="•"/>
+            </a:pPr>
+            <a:r>
+              <a:rPr lang="en-US" dirty="0"/>
+              <a:t>is overused</a:t>
+            </a:r>
+          </a:p>
+          <a:p>
+            <a:pPr marL="457200" indent="-457200">
+              <a:buFont typeface="Arial" panose="020B0604020202020204" pitchFamily="34" charset="0"/>
+              <a:buChar char="•"/>
+            </a:pPr>
+            <a:r>
+              <a:rPr lang="en-US" dirty="0"/>
+              <a:t>introduces unnecessary restrictions in situations where a sole instance of a class is not actually required</a:t>
+            </a:r>
+          </a:p>
+          <a:p>
+            <a:pPr marL="457200" indent="-457200">
+              <a:buFont typeface="Arial" panose="020B0604020202020204" pitchFamily="34" charset="0"/>
+              <a:buChar char="•"/>
+            </a:pPr>
+            <a:r>
+              <a:rPr lang="en-US" dirty="0"/>
+              <a:t>introduces global state into an application</a:t>
+            </a:r>
+          </a:p>
+        </p:txBody>
+      </p:sp>
+    </p:spTree>
+    <p:extLst>
+      <p:ext uri="{BB962C8B-B14F-4D97-AF65-F5344CB8AC3E}">
+        <p14:creationId xmlns:p14="http://schemas.microsoft.com/office/powerpoint/2010/main" val="2455976514"/>
+      </p:ext>
+    </p:extLst>
+  </p:cSld>
+  <p:clrMapOvr>
+    <a:masterClrMapping/>
+  </p:clrMapOvr>
+  <p:transition>
+    <p:fade/>
+  </p:transition>
+</p:sld>
+</file>
+
+<file path=ppt/slides/slide9.xml><?xml version="1.0" encoding="utf-8"?>
+<p:sld xmlns:a="http://schemas.openxmlformats.org/drawingml/2006/main" xmlns:r="http://schemas.openxmlformats.org/officeDocument/2006/relationships" xmlns:p="http://schemas.openxmlformats.org/presentationml/2006/main">
+  <p:cSld>
+    <p:spTree>
+      <p:nvGrpSpPr>
+        <p:cNvPr id="1" name=""/>
+        <p:cNvGrpSpPr/>
+        <p:nvPr/>
+      </p:nvGrpSpPr>
+      <p:grpSpPr>
+        <a:xfrm>
+          <a:off x="0" y="0"/>
+          <a:ext cx="0" cy="0"/>
+          <a:chOff x="0" y="0"/>
+          <a:chExt cx="0" cy="0"/>
+        </a:xfrm>
+      </p:grpSpPr>
+      <p:sp>
+        <p:nvSpPr>
+          <p:cNvPr id="2" name="Title 1">
+            <a:extLst>
+              <a:ext uri="{FF2B5EF4-FFF2-40B4-BE49-F238E27FC236}">
+                <a16:creationId xmlns:a16="http://schemas.microsoft.com/office/drawing/2014/main" id="{09B96665-E88B-4DFB-901D-E4B56ABC07B1}"/>
+              </a:ext>
+            </a:extLst>
+          </p:cNvPr>
+          <p:cNvSpPr>
+            <a:spLocks noGrp="1"/>
+          </p:cNvSpPr>
+          <p:nvPr>
+            <p:ph type="title"/>
+          </p:nvPr>
+        </p:nvSpPr>
+        <p:spPr/>
+        <p:txBody>
+          <a:bodyPr/>
+          <a:lstStyle/>
+          <a:p>
+            <a:r>
+              <a:rPr lang="en-US" dirty="0"/>
+              <a:t>Singleton II</a:t>
+            </a:r>
+          </a:p>
+        </p:txBody>
+      </p:sp>
+      <p:sp>
+        <p:nvSpPr>
+          <p:cNvPr id="3" name="Text Placeholder 2">
+            <a:extLst>
+              <a:ext uri="{FF2B5EF4-FFF2-40B4-BE49-F238E27FC236}">
+                <a16:creationId xmlns:a16="http://schemas.microsoft.com/office/drawing/2014/main" id="{A48E6BFC-E36D-4FB5-A0A0-83F6B7F3F0AB}"/>
+              </a:ext>
+            </a:extLst>
+          </p:cNvPr>
+          <p:cNvSpPr>
+            <a:spLocks noGrp="1"/>
+          </p:cNvSpPr>
+          <p:nvPr>
+            <p:ph type="body" sz="quarter" idx="10"/>
+          </p:nvPr>
+        </p:nvSpPr>
+        <p:spPr>
+          <a:xfrm>
+            <a:off x="586390" y="1434370"/>
+            <a:ext cx="11018520" cy="1982081"/>
+          </a:xfrm>
+        </p:spPr>
+        <p:txBody>
+          <a:bodyPr/>
+          <a:lstStyle/>
+          <a:p>
+            <a:r>
+              <a:rPr lang="en-US" dirty="0"/>
+              <a:t>Use carefully</a:t>
+            </a:r>
+          </a:p>
+          <a:p>
+            <a:r>
+              <a:rPr lang="en-US" dirty="0"/>
+              <a:t>Implement using an interface</a:t>
+            </a:r>
+          </a:p>
+          <a:p>
+            <a:r>
+              <a:rPr lang="en-US" dirty="0"/>
+              <a:t>Use an </a:t>
+            </a:r>
+            <a:r>
+              <a:rPr lang="en-US" dirty="0" err="1"/>
+              <a:t>IoC</a:t>
+            </a:r>
+            <a:r>
+              <a:rPr lang="en-US" dirty="0"/>
+              <a:t> container</a:t>
+            </a:r>
+          </a:p>
+          <a:p>
+            <a:endParaRPr lang="en-US" dirty="0"/>
+          </a:p>
+        </p:txBody>
+      </p:sp>
+      <p:pic>
+        <p:nvPicPr>
+          <p:cNvPr id="4" name="Picture 3">
+            <a:extLst>
+              <a:ext uri="{FF2B5EF4-FFF2-40B4-BE49-F238E27FC236}">
+                <a16:creationId xmlns:a16="http://schemas.microsoft.com/office/drawing/2014/main" id="{EFCEF226-1653-4BCB-A0EF-112885623ED7}"/>
+              </a:ext>
+            </a:extLst>
+          </p:cNvPr>
+          <p:cNvPicPr>
+            <a:picLocks noChangeAspect="1"/>
+          </p:cNvPicPr>
+          <p:nvPr/>
+        </p:nvPicPr>
+        <p:blipFill>
+          <a:blip r:embed="rId2"/>
+          <a:stretch>
+            <a:fillRect/>
+          </a:stretch>
+        </p:blipFill>
+        <p:spPr>
+          <a:xfrm>
+            <a:off x="2212110" y="3736012"/>
+            <a:ext cx="7767780" cy="2465052"/>
+          </a:xfrm>
+          <a:prstGeom prst="rect">
+            <a:avLst/>
+          </a:prstGeom>
+        </p:spPr>
+      </p:pic>
+    </p:spTree>
+    <p:extLst>
+      <p:ext uri="{BB962C8B-B14F-4D97-AF65-F5344CB8AC3E}">
+        <p14:creationId xmlns:p14="http://schemas.microsoft.com/office/powerpoint/2010/main" val="1988169855"/>
       </p:ext>
     </p:extLst>
   </p:cSld>

--- a/Slides/Lecture08 - ASP.NET Core Web API part deux.pptx
+++ b/Slides/Lecture08 - ASP.NET Core Web API part deux.pptx
@@ -5,28 +5,29 @@
     <p:sldMasterId id="2147484229" r:id="rId1"/>
   </p:sldMasterIdLst>
   <p:notesMasterIdLst>
-    <p:notesMasterId r:id="rId18"/>
+    <p:notesMasterId r:id="rId19"/>
   </p:notesMasterIdLst>
   <p:handoutMasterIdLst>
-    <p:handoutMasterId r:id="rId19"/>
+    <p:handoutMasterId r:id="rId20"/>
   </p:handoutMasterIdLst>
   <p:sldIdLst>
     <p:sldId id="2076138457" r:id="rId2"/>
-    <p:sldId id="2076138514" r:id="rId3"/>
-    <p:sldId id="2076138517" r:id="rId4"/>
-    <p:sldId id="2076138518" r:id="rId5"/>
-    <p:sldId id="1666" r:id="rId6"/>
-    <p:sldId id="1670" r:id="rId7"/>
-    <p:sldId id="1686" r:id="rId8"/>
-    <p:sldId id="1671" r:id="rId9"/>
-    <p:sldId id="1672" r:id="rId10"/>
-    <p:sldId id="1684" r:id="rId11"/>
-    <p:sldId id="1676" r:id="rId12"/>
-    <p:sldId id="2076138520" r:id="rId13"/>
-    <p:sldId id="1739" r:id="rId14"/>
-    <p:sldId id="1740" r:id="rId15"/>
-    <p:sldId id="2076138515" r:id="rId16"/>
-    <p:sldId id="2076138516" r:id="rId17"/>
+    <p:sldId id="2076138521" r:id="rId3"/>
+    <p:sldId id="2076138514" r:id="rId4"/>
+    <p:sldId id="2076138517" r:id="rId5"/>
+    <p:sldId id="2076138518" r:id="rId6"/>
+    <p:sldId id="1666" r:id="rId7"/>
+    <p:sldId id="1670" r:id="rId8"/>
+    <p:sldId id="1686" r:id="rId9"/>
+    <p:sldId id="1671" r:id="rId10"/>
+    <p:sldId id="1672" r:id="rId11"/>
+    <p:sldId id="1684" r:id="rId12"/>
+    <p:sldId id="1676" r:id="rId13"/>
+    <p:sldId id="2076138520" r:id="rId14"/>
+    <p:sldId id="1739" r:id="rId15"/>
+    <p:sldId id="1740" r:id="rId16"/>
+    <p:sldId id="2076138515" r:id="rId17"/>
+    <p:sldId id="2076138516" r:id="rId18"/>
   </p:sldIdLst>
   <p:sldSz cx="12192000" cy="6858000"/>
   <p:notesSz cx="6858000" cy="9144000"/>
@@ -250,7 +251,7 @@
               <a:rPr lang="en-US" smtClean="0">
                 <a:latin typeface="Segoe UI" pitchFamily="34" charset="0"/>
               </a:rPr>
-              <a:t>10/28/2021 10:49 PM</a:t>
+              <a:t>10/29/2021 9:20 AM</a:t>
             </a:fld>
             <a:endParaRPr lang="en-US" dirty="0">
               <a:latin typeface="Segoe UI" pitchFamily="34" charset="0"/>
@@ -528,7 +529,7 @@
           <a:p>
             <a:fld id="{386CE63F-9E7F-4C04-9D0D-FCA25A8E9E86}" type="datetime8">
               <a:rPr lang="en-US" smtClean="0"/>
-              <a:t>10/28/2021 10:45 PM</a:t>
+              <a:t>10/29/2021 9:19 AM</a:t>
             </a:fld>
             <a:endParaRPr lang="en-US" dirty="0"/>
           </a:p>
@@ -56459,7 +56460,7 @@
           <p:cNvPr id="2" name="Title 1">
             <a:extLst>
               <a:ext uri="{FF2B5EF4-FFF2-40B4-BE49-F238E27FC236}">
-                <a16:creationId xmlns:a16="http://schemas.microsoft.com/office/drawing/2014/main" id="{D52DCDCB-0E02-49BB-9DF3-89AD90F9681B}"/>
+                <a16:creationId xmlns:a16="http://schemas.microsoft.com/office/drawing/2014/main" id="{09B96665-E88B-4DFB-901D-E4B56ABC07B1}"/>
               </a:ext>
             </a:extLst>
           </p:cNvPr>
@@ -56477,7 +56478,7 @@
           <a:p>
             <a:r>
               <a:rPr lang="en-US" dirty="0"/>
-              <a:t>Iterator</a:t>
+              <a:t>Singleton II</a:t>
             </a:r>
           </a:p>
         </p:txBody>
@@ -56487,7 +56488,7 @@
           <p:cNvPr id="3" name="Text Placeholder 2">
             <a:extLst>
               <a:ext uri="{FF2B5EF4-FFF2-40B4-BE49-F238E27FC236}">
-                <a16:creationId xmlns:a16="http://schemas.microsoft.com/office/drawing/2014/main" id="{AC441A3B-B99A-4C8E-9650-5CE61363EEB1}"/>
+                <a16:creationId xmlns:a16="http://schemas.microsoft.com/office/drawing/2014/main" id="{A48E6BFC-E36D-4FB5-A0A0-83F6B7F3F0AB}"/>
               </a:ext>
             </a:extLst>
           </p:cNvPr>
@@ -56501,7 +56502,7 @@
         <p:spPr>
           <a:xfrm>
             <a:off x="586390" y="1434370"/>
-            <a:ext cx="11018520" cy="4395049"/>
+            <a:ext cx="11018520" cy="1982081"/>
           </a:xfrm>
         </p:spPr>
         <p:txBody>
@@ -56510,121 +56511,68 @@
           <a:p>
             <a:r>
               <a:rPr lang="en-US" dirty="0"/>
-              <a:t>Provide a way to access the elements of an aggregate object (collection) sequentially without exposing the underlying representation</a:t>
+              <a:t>Use carefully</a:t>
+            </a:r>
+          </a:p>
+          <a:p>
+            <a:r>
+              <a:rPr lang="en-US" dirty="0"/>
+              <a:t>Implement using an interface</a:t>
+            </a:r>
+          </a:p>
+          <a:p>
+            <a:r>
+              <a:rPr lang="en-US" dirty="0"/>
+              <a:t>Use an </a:t>
+            </a:r>
+            <a:r>
+              <a:rPr lang="en-US" dirty="0" err="1"/>
+              <a:t>IoC</a:t>
+            </a:r>
+            <a:r>
+              <a:rPr lang="en-US" dirty="0"/>
+              <a:t> container</a:t>
             </a:r>
           </a:p>
           <a:p>
             <a:endParaRPr lang="en-US" dirty="0"/>
-          </a:p>
-          <a:p>
-            <a:r>
-              <a:rPr lang="en-US" dirty="0" err="1">
-                <a:latin typeface="Consolas" panose="020B0609020204030204" pitchFamily="49" charset="0"/>
-              </a:rPr>
-              <a:t>IEnumerable</a:t>
-            </a:r>
-            <a:endParaRPr lang="en-US" dirty="0"/>
-          </a:p>
-          <a:p>
-            <a:r>
-              <a:rPr lang="en-US" dirty="0" err="1">
-                <a:latin typeface="Consolas" panose="020B0609020204030204" pitchFamily="49" charset="0"/>
-              </a:rPr>
-              <a:t>IEnumerable</a:t>
-            </a:r>
-            <a:r>
-              <a:rPr lang="en-US" dirty="0">
-                <a:latin typeface="Consolas" panose="020B0609020204030204" pitchFamily="49" charset="0"/>
-              </a:rPr>
-              <a:t>&lt;T&gt;</a:t>
-            </a:r>
-          </a:p>
-          <a:p>
-            <a:r>
-              <a:rPr lang="en-US" dirty="0" err="1">
-                <a:latin typeface="Consolas" panose="020B0609020204030204" pitchFamily="49" charset="0"/>
-              </a:rPr>
-              <a:t>IEnumerator</a:t>
-            </a:r>
-            <a:endParaRPr lang="en-US" dirty="0">
-              <a:latin typeface="Consolas" panose="020B0609020204030204" pitchFamily="49" charset="0"/>
-            </a:endParaRPr>
-          </a:p>
-          <a:p>
-            <a:r>
-              <a:rPr lang="en-US" dirty="0" err="1">
-                <a:latin typeface="Consolas" panose="020B0609020204030204" pitchFamily="49" charset="0"/>
-              </a:rPr>
-              <a:t>IEnumerator</a:t>
-            </a:r>
-            <a:r>
-              <a:rPr lang="en-US" dirty="0">
-                <a:latin typeface="Consolas" panose="020B0609020204030204" pitchFamily="49" charset="0"/>
-              </a:rPr>
-              <a:t>&lt;T&gt;</a:t>
-            </a:r>
-          </a:p>
-          <a:p>
-            <a:r>
-              <a:rPr lang="en-US" dirty="0">
-                <a:latin typeface="Consolas" panose="020B0609020204030204" pitchFamily="49" charset="0"/>
-              </a:rPr>
-              <a:t>foreach...</a:t>
-            </a:r>
           </a:p>
         </p:txBody>
       </p:sp>
       <p:pic>
         <p:nvPicPr>
-          <p:cNvPr id="1026" name="Picture 2">
-            <a:extLst>
-              <a:ext uri="{FF2B5EF4-FFF2-40B4-BE49-F238E27FC236}">
-                <a16:creationId xmlns:a16="http://schemas.microsoft.com/office/drawing/2014/main" id="{4C158993-D74D-41E9-86CE-57134AC1CF8E}"/>
+          <p:cNvPr id="4" name="Picture 3">
+            <a:extLst>
+              <a:ext uri="{FF2B5EF4-FFF2-40B4-BE49-F238E27FC236}">
+                <a16:creationId xmlns:a16="http://schemas.microsoft.com/office/drawing/2014/main" id="{EFCEF226-1653-4BCB-A0EF-112885623ED7}"/>
               </a:ext>
             </a:extLst>
           </p:cNvPr>
           <p:cNvPicPr>
-            <a:picLocks noChangeAspect="1" noChangeArrowheads="1"/>
+            <a:picLocks noChangeAspect="1"/>
           </p:cNvPicPr>
           <p:nvPr/>
         </p:nvPicPr>
         <p:blipFill>
-          <a:blip r:embed="rId2">
-            <a:extLst>
-              <a:ext uri="{28A0092B-C50C-407E-A947-70E740481C1C}">
-                <a14:useLocalDpi xmlns:a14="http://schemas.microsoft.com/office/drawing/2010/main" val="0"/>
-              </a:ext>
-            </a:extLst>
-          </a:blip>
-          <a:srcRect/>
+          <a:blip r:embed="rId2"/>
           <a:stretch>
             <a:fillRect/>
           </a:stretch>
         </p:blipFill>
-        <p:spPr bwMode="auto">
-          <a:xfrm>
-            <a:off x="5924550" y="2412365"/>
-            <a:ext cx="6267450" cy="4400550"/>
+        <p:spPr>
+          <a:xfrm>
+            <a:off x="2212110" y="3736012"/>
+            <a:ext cx="7767780" cy="2465052"/>
           </a:xfrm>
           <a:prstGeom prst="rect">
             <a:avLst/>
           </a:prstGeom>
-          <a:noFill/>
-          <a:extLst>
-            <a:ext uri="{909E8E84-426E-40DD-AFC4-6F175D3DCCD1}">
-              <a14:hiddenFill xmlns:a14="http://schemas.microsoft.com/office/drawing/2010/main">
-                <a:solidFill>
-                  <a:srgbClr val="FFFFFF"/>
-                </a:solidFill>
-              </a14:hiddenFill>
-            </a:ext>
-          </a:extLst>
         </p:spPr>
       </p:pic>
     </p:spTree>
     <p:extLst>
       <p:ext uri="{BB962C8B-B14F-4D97-AF65-F5344CB8AC3E}">
-        <p14:creationId xmlns:p14="http://schemas.microsoft.com/office/powerpoint/2010/main" val="82424691"/>
+        <p14:creationId xmlns:p14="http://schemas.microsoft.com/office/powerpoint/2010/main" val="1988169855"/>
       </p:ext>
     </p:extLst>
   </p:cSld>
@@ -56659,7 +56607,7 @@
           <p:cNvPr id="2" name="Title 1">
             <a:extLst>
               <a:ext uri="{FF2B5EF4-FFF2-40B4-BE49-F238E27FC236}">
-                <a16:creationId xmlns:a16="http://schemas.microsoft.com/office/drawing/2014/main" id="{BD05B1B1-C35B-4073-9F8C-7CAA5CA57777}"/>
+                <a16:creationId xmlns:a16="http://schemas.microsoft.com/office/drawing/2014/main" id="{D52DCDCB-0E02-49BB-9DF3-89AD90F9681B}"/>
               </a:ext>
             </a:extLst>
           </p:cNvPr>
@@ -56677,7 +56625,7 @@
           <a:p>
             <a:r>
               <a:rPr lang="en-US" dirty="0"/>
-              <a:t>Bridge</a:t>
+              <a:t>Iterator</a:t>
             </a:r>
           </a:p>
         </p:txBody>
@@ -56687,7 +56635,7 @@
           <p:cNvPr id="3" name="Text Placeholder 2">
             <a:extLst>
               <a:ext uri="{FF2B5EF4-FFF2-40B4-BE49-F238E27FC236}">
-                <a16:creationId xmlns:a16="http://schemas.microsoft.com/office/drawing/2014/main" id="{F741E6C0-49DF-47A6-8906-1B294E4F6D63}"/>
+                <a16:creationId xmlns:a16="http://schemas.microsoft.com/office/drawing/2014/main" id="{AC441A3B-B99A-4C8E-9650-5CE61363EEB1}"/>
               </a:ext>
             </a:extLst>
           </p:cNvPr>
@@ -56701,7 +56649,7 @@
         <p:spPr>
           <a:xfrm>
             <a:off x="586390" y="1434370"/>
-            <a:ext cx="11018520" cy="861774"/>
+            <a:ext cx="11018520" cy="4395049"/>
           </a:xfrm>
         </p:spPr>
         <p:txBody>
@@ -56710,45 +56658,121 @@
           <a:p>
             <a:r>
               <a:rPr lang="en-US" dirty="0"/>
-              <a:t>Decouple an abstraction from its implementation so that the two can vary independently. </a:t>
+              <a:t>Provide a way to access the elements of an aggregate object (collection) sequentially without exposing the underlying representation</a:t>
+            </a:r>
+          </a:p>
+          <a:p>
+            <a:endParaRPr lang="en-US" dirty="0"/>
+          </a:p>
+          <a:p>
+            <a:r>
+              <a:rPr lang="en-US" dirty="0" err="1">
+                <a:latin typeface="Consolas" panose="020B0609020204030204" pitchFamily="49" charset="0"/>
+              </a:rPr>
+              <a:t>IEnumerable</a:t>
+            </a:r>
+            <a:endParaRPr lang="en-US" dirty="0"/>
+          </a:p>
+          <a:p>
+            <a:r>
+              <a:rPr lang="en-US" dirty="0" err="1">
+                <a:latin typeface="Consolas" panose="020B0609020204030204" pitchFamily="49" charset="0"/>
+              </a:rPr>
+              <a:t>IEnumerable</a:t>
+            </a:r>
+            <a:r>
+              <a:rPr lang="en-US" dirty="0">
+                <a:latin typeface="Consolas" panose="020B0609020204030204" pitchFamily="49" charset="0"/>
+              </a:rPr>
+              <a:t>&lt;T&gt;</a:t>
+            </a:r>
+          </a:p>
+          <a:p>
+            <a:r>
+              <a:rPr lang="en-US" dirty="0" err="1">
+                <a:latin typeface="Consolas" panose="020B0609020204030204" pitchFamily="49" charset="0"/>
+              </a:rPr>
+              <a:t>IEnumerator</a:t>
+            </a:r>
+            <a:endParaRPr lang="en-US" dirty="0">
+              <a:latin typeface="Consolas" panose="020B0609020204030204" pitchFamily="49" charset="0"/>
+            </a:endParaRPr>
+          </a:p>
+          <a:p>
+            <a:r>
+              <a:rPr lang="en-US" dirty="0" err="1">
+                <a:latin typeface="Consolas" panose="020B0609020204030204" pitchFamily="49" charset="0"/>
+              </a:rPr>
+              <a:t>IEnumerator</a:t>
+            </a:r>
+            <a:r>
+              <a:rPr lang="en-US" dirty="0">
+                <a:latin typeface="Consolas" panose="020B0609020204030204" pitchFamily="49" charset="0"/>
+              </a:rPr>
+              <a:t>&lt;T&gt;</a:t>
+            </a:r>
+          </a:p>
+          <a:p>
+            <a:r>
+              <a:rPr lang="en-US" dirty="0">
+                <a:latin typeface="Consolas" panose="020B0609020204030204" pitchFamily="49" charset="0"/>
+              </a:rPr>
+              <a:t>foreach...</a:t>
             </a:r>
           </a:p>
         </p:txBody>
       </p:sp>
       <p:pic>
         <p:nvPicPr>
-          <p:cNvPr id="4" name="Picture 3">
-            <a:extLst>
-              <a:ext uri="{FF2B5EF4-FFF2-40B4-BE49-F238E27FC236}">
-                <a16:creationId xmlns:a16="http://schemas.microsoft.com/office/drawing/2014/main" id="{02BB85A3-C649-4992-9373-CA7EA4F9BB92}"/>
+          <p:cNvPr id="1026" name="Picture 2">
+            <a:extLst>
+              <a:ext uri="{FF2B5EF4-FFF2-40B4-BE49-F238E27FC236}">
+                <a16:creationId xmlns:a16="http://schemas.microsoft.com/office/drawing/2014/main" id="{4C158993-D74D-41E9-86CE-57134AC1CF8E}"/>
               </a:ext>
             </a:extLst>
           </p:cNvPr>
           <p:cNvPicPr>
-            <a:picLocks noChangeAspect="1"/>
+            <a:picLocks noChangeAspect="1" noChangeArrowheads="1"/>
           </p:cNvPicPr>
           <p:nvPr/>
         </p:nvPicPr>
         <p:blipFill>
-          <a:blip r:embed="rId2"/>
+          <a:blip r:embed="rId2">
+            <a:extLst>
+              <a:ext uri="{28A0092B-C50C-407E-A947-70E740481C1C}">
+                <a14:useLocalDpi xmlns:a14="http://schemas.microsoft.com/office/drawing/2010/main" val="0"/>
+              </a:ext>
+            </a:extLst>
+          </a:blip>
+          <a:srcRect/>
           <a:stretch>
             <a:fillRect/>
           </a:stretch>
         </p:blipFill>
-        <p:spPr>
-          <a:xfrm>
-            <a:off x="3048010" y="2719316"/>
-            <a:ext cx="6095980" cy="3986880"/>
+        <p:spPr bwMode="auto">
+          <a:xfrm>
+            <a:off x="5924550" y="2412365"/>
+            <a:ext cx="6267450" cy="4400550"/>
           </a:xfrm>
           <a:prstGeom prst="rect">
             <a:avLst/>
           </a:prstGeom>
+          <a:noFill/>
+          <a:extLst>
+            <a:ext uri="{909E8E84-426E-40DD-AFC4-6F175D3DCCD1}">
+              <a14:hiddenFill xmlns:a14="http://schemas.microsoft.com/office/drawing/2010/main">
+                <a:solidFill>
+                  <a:srgbClr val="FFFFFF"/>
+                </a:solidFill>
+              </a14:hiddenFill>
+            </a:ext>
+          </a:extLst>
         </p:spPr>
       </p:pic>
     </p:spTree>
     <p:extLst>
       <p:ext uri="{BB962C8B-B14F-4D97-AF65-F5344CB8AC3E}">
-        <p14:creationId xmlns:p14="http://schemas.microsoft.com/office/powerpoint/2010/main" val="2777379272"/>
+        <p14:creationId xmlns:p14="http://schemas.microsoft.com/office/powerpoint/2010/main" val="82424691"/>
       </p:ext>
     </p:extLst>
   </p:cSld>
@@ -56780,10 +56804,10 @@
       </p:grpSpPr>
       <p:sp>
         <p:nvSpPr>
-          <p:cNvPr id="5" name="Title 4">
-            <a:extLst>
-              <a:ext uri="{FF2B5EF4-FFF2-40B4-BE49-F238E27FC236}">
-                <a16:creationId xmlns:a16="http://schemas.microsoft.com/office/drawing/2014/main" id="{4A079ADF-3123-4038-9206-31F7578B1753}"/>
+          <p:cNvPr id="2" name="Title 1">
+            <a:extLst>
+              <a:ext uri="{FF2B5EF4-FFF2-40B4-BE49-F238E27FC236}">
+                <a16:creationId xmlns:a16="http://schemas.microsoft.com/office/drawing/2014/main" id="{BD05B1B1-C35B-4073-9F8C-7CAA5CA57777}"/>
               </a:ext>
             </a:extLst>
           </p:cNvPr>
@@ -56801,17 +56825,17 @@
           <a:p>
             <a:r>
               <a:rPr lang="en-US" dirty="0"/>
-              <a:t>Docker &amp; Docker Compose</a:t>
-            </a:r>
-          </a:p>
-        </p:txBody>
-      </p:sp>
-      <p:sp>
-        <p:nvSpPr>
-          <p:cNvPr id="6" name="Text Placeholder 5">
-            <a:extLst>
-              <a:ext uri="{FF2B5EF4-FFF2-40B4-BE49-F238E27FC236}">
-                <a16:creationId xmlns:a16="http://schemas.microsoft.com/office/drawing/2014/main" id="{97CCEBA9-83DC-43FD-977A-5A918C333B66}"/>
+              <a:t>Bridge</a:t>
+            </a:r>
+          </a:p>
+        </p:txBody>
+      </p:sp>
+      <p:sp>
+        <p:nvSpPr>
+          <p:cNvPr id="3" name="Text Placeholder 2">
+            <a:extLst>
+              <a:ext uri="{FF2B5EF4-FFF2-40B4-BE49-F238E27FC236}">
+                <a16:creationId xmlns:a16="http://schemas.microsoft.com/office/drawing/2014/main" id="{F741E6C0-49DF-47A6-8906-1B294E4F6D63}"/>
               </a:ext>
             </a:extLst>
           </p:cNvPr>
@@ -56819,43 +56843,69 @@
             <a:spLocks noGrp="1"/>
           </p:cNvSpPr>
           <p:nvPr>
-            <p:ph type="body" sz="quarter" idx="12"/>
+            <p:ph type="body" sz="quarter" idx="10"/>
           </p:nvPr>
         </p:nvSpPr>
-        <p:spPr/>
+        <p:spPr>
+          <a:xfrm>
+            <a:off x="586390" y="1434370"/>
+            <a:ext cx="11018520" cy="861774"/>
+          </a:xfrm>
+        </p:spPr>
         <p:txBody>
           <a:bodyPr/>
           <a:lstStyle/>
           <a:p>
             <a:r>
               <a:rPr lang="en-US" dirty="0"/>
-              <a:t>Demo</a:t>
-            </a:r>
-          </a:p>
-        </p:txBody>
-      </p:sp>
+              <a:t>Decouple an abstraction from its implementation so that the two can vary independently. </a:t>
+            </a:r>
+          </a:p>
+        </p:txBody>
+      </p:sp>
+      <p:pic>
+        <p:nvPicPr>
+          <p:cNvPr id="4" name="Picture 3">
+            <a:extLst>
+              <a:ext uri="{FF2B5EF4-FFF2-40B4-BE49-F238E27FC236}">
+                <a16:creationId xmlns:a16="http://schemas.microsoft.com/office/drawing/2014/main" id="{02BB85A3-C649-4992-9373-CA7EA4F9BB92}"/>
+              </a:ext>
+            </a:extLst>
+          </p:cNvPr>
+          <p:cNvPicPr>
+            <a:picLocks noChangeAspect="1"/>
+          </p:cNvPicPr>
+          <p:nvPr/>
+        </p:nvPicPr>
+        <p:blipFill>
+          <a:blip r:embed="rId2"/>
+          <a:stretch>
+            <a:fillRect/>
+          </a:stretch>
+        </p:blipFill>
+        <p:spPr>
+          <a:xfrm>
+            <a:off x="3048010" y="2719316"/>
+            <a:ext cx="6095980" cy="3986880"/>
+          </a:xfrm>
+          <a:prstGeom prst="rect">
+            <a:avLst/>
+          </a:prstGeom>
+        </p:spPr>
+      </p:pic>
     </p:spTree>
     <p:extLst>
       <p:ext uri="{BB962C8B-B14F-4D97-AF65-F5344CB8AC3E}">
-        <p14:creationId xmlns:p14="http://schemas.microsoft.com/office/powerpoint/2010/main" val="2435844964"/>
+        <p14:creationId xmlns:p14="http://schemas.microsoft.com/office/powerpoint/2010/main" val="2777379272"/>
       </p:ext>
     </p:extLst>
   </p:cSld>
   <p:clrMapOvr>
     <a:masterClrMapping/>
   </p:clrMapOvr>
-  <mc:AlternateContent xmlns:mc="http://schemas.openxmlformats.org/markup-compatibility/2006" xmlns:p14="http://schemas.microsoft.com/office/powerpoint/2010/main">
-    <mc:Choice Requires="p14">
-      <p:transition spd="med" p14:dur="700">
-        <p:fade/>
-      </p:transition>
-    </mc:Choice>
-    <mc:Fallback xmlns="">
-      <p:transition spd="med">
-        <p:fade/>
-      </p:transition>
-    </mc:Fallback>
-  </mc:AlternateContent>
+  <p:transition>
+    <p:fade/>
+  </p:transition>
 </p:sld>
 </file>
 
@@ -56878,10 +56928,10 @@
       </p:grpSpPr>
       <p:sp>
         <p:nvSpPr>
-          <p:cNvPr id="2" name="Title 1">
-            <a:extLst>
-              <a:ext uri="{FF2B5EF4-FFF2-40B4-BE49-F238E27FC236}">
-                <a16:creationId xmlns:a16="http://schemas.microsoft.com/office/drawing/2014/main" id="{F1C86310-9ED9-42B3-A03F-B555DCABDF4B}"/>
+          <p:cNvPr id="5" name="Title 4">
+            <a:extLst>
+              <a:ext uri="{FF2B5EF4-FFF2-40B4-BE49-F238E27FC236}">
+                <a16:creationId xmlns:a16="http://schemas.microsoft.com/office/drawing/2014/main" id="{4A079ADF-3123-4038-9206-31F7578B1753}"/>
               </a:ext>
             </a:extLst>
           </p:cNvPr>
@@ -56898,17 +56948,44 @@
           <a:lstStyle/>
           <a:p>
             <a:r>
-              <a:rPr lang="en-US" noProof="0" dirty="0" err="1"/>
-              <a:t>gRPC</a:t>
-            </a:r>
-            <a:endParaRPr lang="en-US" noProof="0" dirty="0"/>
+              <a:rPr lang="en-US" dirty="0"/>
+              <a:t>Docker &amp; Docker Compose</a:t>
+            </a:r>
+          </a:p>
+        </p:txBody>
+      </p:sp>
+      <p:sp>
+        <p:nvSpPr>
+          <p:cNvPr id="6" name="Text Placeholder 5">
+            <a:extLst>
+              <a:ext uri="{FF2B5EF4-FFF2-40B4-BE49-F238E27FC236}">
+                <a16:creationId xmlns:a16="http://schemas.microsoft.com/office/drawing/2014/main" id="{97CCEBA9-83DC-43FD-977A-5A918C333B66}"/>
+              </a:ext>
+            </a:extLst>
+          </p:cNvPr>
+          <p:cNvSpPr>
+            <a:spLocks noGrp="1"/>
+          </p:cNvSpPr>
+          <p:nvPr>
+            <p:ph type="body" sz="quarter" idx="12"/>
+          </p:nvPr>
+        </p:nvSpPr>
+        <p:spPr/>
+        <p:txBody>
+          <a:bodyPr/>
+          <a:lstStyle/>
+          <a:p>
+            <a:r>
+              <a:rPr lang="en-US" dirty="0"/>
+              <a:t>Demo</a:t>
+            </a:r>
           </a:p>
         </p:txBody>
       </p:sp>
     </p:spTree>
     <p:extLst>
       <p:ext uri="{BB962C8B-B14F-4D97-AF65-F5344CB8AC3E}">
-        <p14:creationId xmlns:p14="http://schemas.microsoft.com/office/powerpoint/2010/main" val="183565903"/>
+        <p14:creationId xmlns:p14="http://schemas.microsoft.com/office/powerpoint/2010/main" val="2435844964"/>
       </p:ext>
     </p:extLst>
   </p:cSld>
@@ -56949,6 +57026,77 @@
       </p:grpSpPr>
       <p:sp>
         <p:nvSpPr>
+          <p:cNvPr id="2" name="Title 1">
+            <a:extLst>
+              <a:ext uri="{FF2B5EF4-FFF2-40B4-BE49-F238E27FC236}">
+                <a16:creationId xmlns:a16="http://schemas.microsoft.com/office/drawing/2014/main" id="{F1C86310-9ED9-42B3-A03F-B555DCABDF4B}"/>
+              </a:ext>
+            </a:extLst>
+          </p:cNvPr>
+          <p:cNvSpPr>
+            <a:spLocks noGrp="1"/>
+          </p:cNvSpPr>
+          <p:nvPr>
+            <p:ph type="title"/>
+          </p:nvPr>
+        </p:nvSpPr>
+        <p:spPr/>
+        <p:txBody>
+          <a:bodyPr/>
+          <a:lstStyle/>
+          <a:p>
+            <a:r>
+              <a:rPr lang="en-US" noProof="0" dirty="0" err="1"/>
+              <a:t>gRPC</a:t>
+            </a:r>
+            <a:endParaRPr lang="en-US" noProof="0" dirty="0"/>
+          </a:p>
+        </p:txBody>
+      </p:sp>
+    </p:spTree>
+    <p:extLst>
+      <p:ext uri="{BB962C8B-B14F-4D97-AF65-F5344CB8AC3E}">
+        <p14:creationId xmlns:p14="http://schemas.microsoft.com/office/powerpoint/2010/main" val="183565903"/>
+      </p:ext>
+    </p:extLst>
+  </p:cSld>
+  <p:clrMapOvr>
+    <a:masterClrMapping/>
+  </p:clrMapOvr>
+  <mc:AlternateContent xmlns:mc="http://schemas.openxmlformats.org/markup-compatibility/2006" xmlns:p14="http://schemas.microsoft.com/office/powerpoint/2010/main">
+    <mc:Choice Requires="p14">
+      <p:transition spd="med" p14:dur="700">
+        <p:fade/>
+      </p:transition>
+    </mc:Choice>
+    <mc:Fallback xmlns="">
+      <p:transition spd="med">
+        <p:fade/>
+      </p:transition>
+    </mc:Fallback>
+  </mc:AlternateContent>
+</p:sld>
+</file>
+
+<file path=ppt/slides/slide15.xml><?xml version="1.0" encoding="utf-8"?>
+<p:sld xmlns:a="http://schemas.openxmlformats.org/drawingml/2006/main" xmlns:r="http://schemas.openxmlformats.org/officeDocument/2006/relationships" xmlns:p="http://schemas.openxmlformats.org/presentationml/2006/main">
+  <p:cSld>
+    <p:spTree>
+      <p:nvGrpSpPr>
+        <p:cNvPr id="1" name=""/>
+        <p:cNvGrpSpPr/>
+        <p:nvPr/>
+      </p:nvGrpSpPr>
+      <p:grpSpPr>
+        <a:xfrm>
+          <a:off x="0" y="0"/>
+          <a:ext cx="0" cy="0"/>
+          <a:chOff x="0" y="0"/>
+          <a:chExt cx="0" cy="0"/>
+        </a:xfrm>
+      </p:grpSpPr>
+      <p:sp>
+        <p:nvSpPr>
           <p:cNvPr id="3" name="Title 2">
             <a:extLst>
               <a:ext uri="{FF2B5EF4-FFF2-40B4-BE49-F238E27FC236}">
@@ -57106,7 +57254,7 @@
 </p:sld>
 </file>
 
-<file path=ppt/slides/slide15.xml><?xml version="1.0" encoding="utf-8"?>
+<file path=ppt/slides/slide16.xml><?xml version="1.0" encoding="utf-8"?>
 <p:sld xmlns:a="http://schemas.openxmlformats.org/drawingml/2006/main" xmlns:r="http://schemas.openxmlformats.org/officeDocument/2006/relationships" xmlns:p="http://schemas.openxmlformats.org/presentationml/2006/main">
   <p:cSld>
     <p:spTree>
@@ -57177,7 +57325,7 @@
 </p:sld>
 </file>
 
-<file path=ppt/slides/slide16.xml><?xml version="1.0" encoding="utf-8"?>
+<file path=ppt/slides/slide17.xml><?xml version="1.0" encoding="utf-8"?>
 <p:sld xmlns:a="http://schemas.openxmlformats.org/drawingml/2006/main" xmlns:r="http://schemas.openxmlformats.org/officeDocument/2006/relationships" xmlns:p="http://schemas.openxmlformats.org/presentationml/2006/main">
   <p:cSld>
     <p:spTree>
@@ -57334,6 +57482,121 @@
 <file path=ppt/slides/slide2.xml><?xml version="1.0" encoding="utf-8"?>
 <p:sld xmlns:a="http://schemas.openxmlformats.org/drawingml/2006/main" xmlns:r="http://schemas.openxmlformats.org/officeDocument/2006/relationships" xmlns:p="http://schemas.openxmlformats.org/presentationml/2006/main">
   <p:cSld>
+    <p:bg>
+      <p:bgPr>
+        <a:solidFill>
+          <a:srgbClr val="0F780F"/>
+        </a:solidFill>
+        <a:effectLst/>
+      </p:bgPr>
+    </p:bg>
+    <p:spTree>
+      <p:nvGrpSpPr>
+        <p:cNvPr id="1" name=""/>
+        <p:cNvGrpSpPr/>
+        <p:nvPr/>
+      </p:nvGrpSpPr>
+      <p:grpSpPr>
+        <a:xfrm>
+          <a:off x="0" y="0"/>
+          <a:ext cx="0" cy="0"/>
+          <a:chOff x="0" y="0"/>
+          <a:chExt cx="0" cy="0"/>
+        </a:xfrm>
+      </p:grpSpPr>
+      <p:sp>
+        <p:nvSpPr>
+          <p:cNvPr id="5" name="Title 4">
+            <a:extLst>
+              <a:ext uri="{FF2B5EF4-FFF2-40B4-BE49-F238E27FC236}">
+                <a16:creationId xmlns:a16="http://schemas.microsoft.com/office/drawing/2014/main" id="{ECDE4117-CC19-43B7-9A74-B30910FA78B1}"/>
+              </a:ext>
+            </a:extLst>
+          </p:cNvPr>
+          <p:cNvSpPr>
+            <a:spLocks noGrp="1"/>
+          </p:cNvSpPr>
+          <p:nvPr>
+            <p:ph type="title"/>
+          </p:nvPr>
+        </p:nvSpPr>
+        <p:spPr>
+          <a:xfrm>
+            <a:off x="585215" y="3033223"/>
+            <a:ext cx="11045675" cy="498598"/>
+          </a:xfrm>
+        </p:spPr>
+        <p:txBody>
+          <a:bodyPr/>
+          <a:lstStyle/>
+          <a:p>
+            <a:r>
+              <a:rPr lang="en-US" dirty="0">
+                <a:solidFill>
+                  <a:schemeClr val="tx1"/>
+                </a:solidFill>
+              </a:rPr>
+              <a:t>Remember: Project meeting with TAs this afternoon</a:t>
+            </a:r>
+          </a:p>
+        </p:txBody>
+      </p:sp>
+      <p:sp>
+        <p:nvSpPr>
+          <p:cNvPr id="7" name="Text Placeholder 6">
+            <a:extLst>
+              <a:ext uri="{FF2B5EF4-FFF2-40B4-BE49-F238E27FC236}">
+                <a16:creationId xmlns:a16="http://schemas.microsoft.com/office/drawing/2014/main" id="{A2A4BFA4-09BD-4B68-B846-9BBDB79D2E06}"/>
+              </a:ext>
+            </a:extLst>
+          </p:cNvPr>
+          <p:cNvSpPr>
+            <a:spLocks noGrp="1"/>
+          </p:cNvSpPr>
+          <p:nvPr>
+            <p:ph type="body" sz="quarter" idx="12"/>
+          </p:nvPr>
+        </p:nvSpPr>
+        <p:spPr/>
+        <p:txBody>
+          <a:bodyPr/>
+          <a:lstStyle/>
+          <a:p>
+            <a:r>
+              <a:rPr lang="en-US" dirty="0"/>
+              <a:t>(Mandatory)</a:t>
+            </a:r>
+          </a:p>
+        </p:txBody>
+      </p:sp>
+    </p:spTree>
+    <p:extLst>
+      <p:ext uri="{BB962C8B-B14F-4D97-AF65-F5344CB8AC3E}">
+        <p14:creationId xmlns:p14="http://schemas.microsoft.com/office/powerpoint/2010/main" val="2627681697"/>
+      </p:ext>
+    </p:extLst>
+  </p:cSld>
+  <p:clrMapOvr>
+    <a:masterClrMapping/>
+  </p:clrMapOvr>
+  <mc:AlternateContent xmlns:mc="http://schemas.openxmlformats.org/markup-compatibility/2006" xmlns:p14="http://schemas.microsoft.com/office/powerpoint/2010/main">
+    <mc:Choice Requires="p14">
+      <p:transition spd="med" p14:dur="700">
+        <p:fade/>
+      </p:transition>
+    </mc:Choice>
+    <mc:Fallback xmlns="">
+      <p:transition spd="med">
+        <p:fade/>
+      </p:transition>
+    </mc:Fallback>
+  </mc:AlternateContent>
+</p:sld>
+</file>
+
+<file path=ppt/slides/slide3.xml><?xml version="1.0" encoding="utf-8"?>
+<p:sld xmlns:a="http://schemas.openxmlformats.org/drawingml/2006/main" xmlns:r="http://schemas.openxmlformats.org/officeDocument/2006/relationships" xmlns:p="http://schemas.openxmlformats.org/presentationml/2006/main">
+  <p:cSld>
     <p:spTree>
       <p:nvGrpSpPr>
         <p:cNvPr id="1" name=""/>
@@ -57594,7 +57857,7 @@
 </p:sld>
 </file>
 
-<file path=ppt/slides/slide3.xml><?xml version="1.0" encoding="utf-8"?>
+<file path=ppt/slides/slide4.xml><?xml version="1.0" encoding="utf-8"?>
 <p:sld xmlns:a="http://schemas.openxmlformats.org/drawingml/2006/main" xmlns:r="http://schemas.openxmlformats.org/officeDocument/2006/relationships" xmlns:p="http://schemas.openxmlformats.org/presentationml/2006/main">
   <p:cSld>
     <p:spTree>
@@ -57697,7 +57960,7 @@
 </p:sld>
 </file>
 
-<file path=ppt/slides/slide4.xml><?xml version="1.0" encoding="utf-8"?>
+<file path=ppt/slides/slide5.xml><?xml version="1.0" encoding="utf-8"?>
 <p:sld xmlns:a="http://schemas.openxmlformats.org/drawingml/2006/main" xmlns:r="http://schemas.openxmlformats.org/officeDocument/2006/relationships" xmlns:p="http://schemas.openxmlformats.org/presentationml/2006/main">
   <p:cSld>
     <p:spTree>
@@ -57795,7 +58058,7 @@
 </p:sld>
 </file>
 
-<file path=ppt/slides/slide5.xml><?xml version="1.0" encoding="utf-8"?>
+<file path=ppt/slides/slide6.xml><?xml version="1.0" encoding="utf-8"?>
 <p:sld xmlns:a="http://schemas.openxmlformats.org/drawingml/2006/main" xmlns:r="http://schemas.openxmlformats.org/officeDocument/2006/relationships" xmlns:p="http://schemas.openxmlformats.org/presentationml/2006/main">
   <p:cSld>
     <p:spTree>
@@ -57967,7 +58230,7 @@
 </p:sld>
 </file>
 
-<file path=ppt/slides/slide6.xml><?xml version="1.0" encoding="utf-8"?>
+<file path=ppt/slides/slide7.xml><?xml version="1.0" encoding="utf-8"?>
 <p:sld xmlns:a="http://schemas.openxmlformats.org/drawingml/2006/main" xmlns:r="http://schemas.openxmlformats.org/officeDocument/2006/relationships" xmlns:p="http://schemas.openxmlformats.org/presentationml/2006/main">
   <p:cSld>
     <p:spTree>
@@ -58447,149 +58710,6 @@
 </p:sld>
 </file>
 
-<file path=ppt/slides/slide7.xml><?xml version="1.0" encoding="utf-8"?>
-<p:sld xmlns:a="http://schemas.openxmlformats.org/drawingml/2006/main" xmlns:r="http://schemas.openxmlformats.org/officeDocument/2006/relationships" xmlns:p="http://schemas.openxmlformats.org/presentationml/2006/main">
-  <p:cSld>
-    <p:spTree>
-      <p:nvGrpSpPr>
-        <p:cNvPr id="1" name=""/>
-        <p:cNvGrpSpPr/>
-        <p:nvPr/>
-      </p:nvGrpSpPr>
-      <p:grpSpPr>
-        <a:xfrm>
-          <a:off x="0" y="0"/>
-          <a:ext cx="0" cy="0"/>
-          <a:chOff x="0" y="0"/>
-          <a:chExt cx="0" cy="0"/>
-        </a:xfrm>
-      </p:grpSpPr>
-      <p:sp>
-        <p:nvSpPr>
-          <p:cNvPr id="2" name="Title 1">
-            <a:extLst>
-              <a:ext uri="{FF2B5EF4-FFF2-40B4-BE49-F238E27FC236}">
-                <a16:creationId xmlns:a16="http://schemas.microsoft.com/office/drawing/2014/main" id="{6E5F1F24-3C6C-4CB2-8E7B-35FD39E3D81D}"/>
-              </a:ext>
-            </a:extLst>
-          </p:cNvPr>
-          <p:cNvSpPr>
-            <a:spLocks noGrp="1"/>
-          </p:cNvSpPr>
-          <p:nvPr>
-            <p:ph type="title"/>
-          </p:nvPr>
-        </p:nvSpPr>
-        <p:spPr/>
-        <p:txBody>
-          <a:bodyPr/>
-          <a:lstStyle/>
-          <a:p>
-            <a:r>
-              <a:rPr lang="da-DK" dirty="0"/>
-              <a:t>Builder</a:t>
-            </a:r>
-            <a:endParaRPr lang="LID4096" dirty="0"/>
-          </a:p>
-        </p:txBody>
-      </p:sp>
-      <p:sp>
-        <p:nvSpPr>
-          <p:cNvPr id="3" name="Text Placeholder 2">
-            <a:extLst>
-              <a:ext uri="{FF2B5EF4-FFF2-40B4-BE49-F238E27FC236}">
-                <a16:creationId xmlns:a16="http://schemas.microsoft.com/office/drawing/2014/main" id="{26A5AC53-87BD-4EBB-A249-1D87DE001A48}"/>
-              </a:ext>
-            </a:extLst>
-          </p:cNvPr>
-          <p:cNvSpPr>
-            <a:spLocks noGrp="1"/>
-          </p:cNvSpPr>
-          <p:nvPr>
-            <p:ph type="body" sz="quarter" idx="10"/>
-          </p:nvPr>
-        </p:nvSpPr>
-        <p:spPr>
-          <a:xfrm>
-            <a:off x="586390" y="1434370"/>
-            <a:ext cx="11018520" cy="2499146"/>
-          </a:xfrm>
-        </p:spPr>
-        <p:txBody>
-          <a:bodyPr/>
-          <a:lstStyle/>
-          <a:p>
-            <a:r>
-              <a:rPr lang="en-US" dirty="0"/>
-              <a:t>Separate the construction of a complex object from its representation</a:t>
-            </a:r>
-          </a:p>
-          <a:p>
-            <a:endParaRPr lang="en-US" dirty="0"/>
-          </a:p>
-          <a:p>
-            <a:r>
-              <a:rPr lang="da-DK" dirty="0"/>
-              <a:t>serviceCollection.AddScoped&lt;,&gt;();</a:t>
-            </a:r>
-          </a:p>
-          <a:p>
-            <a:r>
-              <a:rPr lang="da-DK" dirty="0"/>
-              <a:t>serviceCollection.BuildServiceProvider();</a:t>
-            </a:r>
-          </a:p>
-          <a:p>
-            <a:endParaRPr lang="LID4096" dirty="0"/>
-          </a:p>
-        </p:txBody>
-      </p:sp>
-      <p:pic>
-        <p:nvPicPr>
-          <p:cNvPr id="5" name="Picture 4" descr="A close up of a logo&#10;&#10;Description automatically generated">
-            <a:extLst>
-              <a:ext uri="{FF2B5EF4-FFF2-40B4-BE49-F238E27FC236}">
-                <a16:creationId xmlns:a16="http://schemas.microsoft.com/office/drawing/2014/main" id="{D73F0B51-6D2D-4D7E-9F63-B930A13607AD}"/>
-              </a:ext>
-            </a:extLst>
-          </p:cNvPr>
-          <p:cNvPicPr>
-            <a:picLocks noChangeAspect="1"/>
-          </p:cNvPicPr>
-          <p:nvPr/>
-        </p:nvPicPr>
-        <p:blipFill>
-          <a:blip r:embed="rId2"/>
-          <a:stretch>
-            <a:fillRect/>
-          </a:stretch>
-        </p:blipFill>
-        <p:spPr>
-          <a:xfrm>
-            <a:off x="2591238" y="3429000"/>
-            <a:ext cx="9525000" cy="3267075"/>
-          </a:xfrm>
-          <a:prstGeom prst="rect">
-            <a:avLst/>
-          </a:prstGeom>
-        </p:spPr>
-      </p:pic>
-    </p:spTree>
-    <p:extLst>
-      <p:ext uri="{BB962C8B-B14F-4D97-AF65-F5344CB8AC3E}">
-        <p14:creationId xmlns:p14="http://schemas.microsoft.com/office/powerpoint/2010/main" val="2623749093"/>
-      </p:ext>
-    </p:extLst>
-  </p:cSld>
-  <p:clrMapOvr>
-    <a:masterClrMapping/>
-  </p:clrMapOvr>
-  <p:transition>
-    <p:fade/>
-  </p:transition>
-</p:sld>
-</file>
-
 <file path=ppt/slides/slide8.xml><?xml version="1.0" encoding="utf-8"?>
 <p:sld xmlns:a="http://schemas.openxmlformats.org/drawingml/2006/main" xmlns:r="http://schemas.openxmlformats.org/officeDocument/2006/relationships" xmlns:p="http://schemas.openxmlformats.org/presentationml/2006/main">
   <p:cSld>
@@ -58612,7 +58732,7 @@
           <p:cNvPr id="2" name="Title 1">
             <a:extLst>
               <a:ext uri="{FF2B5EF4-FFF2-40B4-BE49-F238E27FC236}">
-                <a16:creationId xmlns:a16="http://schemas.microsoft.com/office/drawing/2014/main" id="{67947D04-075F-469C-AA7E-0C6FAAD2D5C6}"/>
+                <a16:creationId xmlns:a16="http://schemas.microsoft.com/office/drawing/2014/main" id="{6E5F1F24-3C6C-4CB2-8E7B-35FD39E3D81D}"/>
               </a:ext>
             </a:extLst>
           </p:cNvPr>
@@ -58629,9 +58749,10 @@
           <a:lstStyle/>
           <a:p>
             <a:r>
-              <a:rPr lang="en-US" dirty="0"/>
-              <a:t>Singleton</a:t>
-            </a:r>
+              <a:rPr lang="da-DK" dirty="0"/>
+              <a:t>Builder</a:t>
+            </a:r>
+            <a:endParaRPr lang="LID4096" dirty="0"/>
           </a:p>
         </p:txBody>
       </p:sp>
@@ -58640,7 +58761,7 @@
           <p:cNvPr id="3" name="Text Placeholder 2">
             <a:extLst>
               <a:ext uri="{FF2B5EF4-FFF2-40B4-BE49-F238E27FC236}">
-                <a16:creationId xmlns:a16="http://schemas.microsoft.com/office/drawing/2014/main" id="{7D2CCC3C-0EAC-4E8C-9F4D-14A8DA8795C9}"/>
+                <a16:creationId xmlns:a16="http://schemas.microsoft.com/office/drawing/2014/main" id="{26A5AC53-87BD-4EBB-A249-1D87DE001A48}"/>
               </a:ext>
             </a:extLst>
           </p:cNvPr>
@@ -58654,7 +58775,7 @@
         <p:spPr>
           <a:xfrm>
             <a:off x="586390" y="1434370"/>
-            <a:ext cx="11018520" cy="3447098"/>
+            <a:ext cx="11018520" cy="2499146"/>
           </a:xfrm>
         </p:spPr>
         <p:txBody>
@@ -58663,7 +58784,7 @@
           <a:p>
             <a:r>
               <a:rPr lang="en-US" dirty="0"/>
-              <a:t>Only ever one single instance of a given type.</a:t>
+              <a:t>Separate the construction of a complex object from its representation</a:t>
             </a:r>
           </a:p>
           <a:p>
@@ -58671,46 +58792,55 @@
           </a:p>
           <a:p>
             <a:r>
-              <a:rPr lang="en-US" dirty="0"/>
-              <a:t>Considered an anti-pattern by many, it:</a:t>
-            </a:r>
-          </a:p>
-          <a:p>
-            <a:pPr marL="457200" indent="-457200">
-              <a:buFont typeface="Arial" panose="020B0604020202020204" pitchFamily="34" charset="0"/>
-              <a:buChar char="•"/>
-            </a:pPr>
-            <a:r>
-              <a:rPr lang="en-US" dirty="0"/>
-              <a:t>is overused</a:t>
-            </a:r>
-          </a:p>
-          <a:p>
-            <a:pPr marL="457200" indent="-457200">
-              <a:buFont typeface="Arial" panose="020B0604020202020204" pitchFamily="34" charset="0"/>
-              <a:buChar char="•"/>
-            </a:pPr>
-            <a:r>
-              <a:rPr lang="en-US" dirty="0"/>
-              <a:t>introduces unnecessary restrictions in situations where a sole instance of a class is not actually required</a:t>
-            </a:r>
-          </a:p>
-          <a:p>
-            <a:pPr marL="457200" indent="-457200">
-              <a:buFont typeface="Arial" panose="020B0604020202020204" pitchFamily="34" charset="0"/>
-              <a:buChar char="•"/>
-            </a:pPr>
-            <a:r>
-              <a:rPr lang="en-US" dirty="0"/>
-              <a:t>introduces global state into an application</a:t>
-            </a:r>
-          </a:p>
-        </p:txBody>
-      </p:sp>
+              <a:rPr lang="da-DK" dirty="0"/>
+              <a:t>serviceCollection.AddScoped&lt;,&gt;();</a:t>
+            </a:r>
+          </a:p>
+          <a:p>
+            <a:r>
+              <a:rPr lang="da-DK" dirty="0"/>
+              <a:t>serviceCollection.BuildServiceProvider();</a:t>
+            </a:r>
+          </a:p>
+          <a:p>
+            <a:endParaRPr lang="LID4096" dirty="0"/>
+          </a:p>
+        </p:txBody>
+      </p:sp>
+      <p:pic>
+        <p:nvPicPr>
+          <p:cNvPr id="5" name="Picture 4" descr="A close up of a logo&#10;&#10;Description automatically generated">
+            <a:extLst>
+              <a:ext uri="{FF2B5EF4-FFF2-40B4-BE49-F238E27FC236}">
+                <a16:creationId xmlns:a16="http://schemas.microsoft.com/office/drawing/2014/main" id="{D73F0B51-6D2D-4D7E-9F63-B930A13607AD}"/>
+              </a:ext>
+            </a:extLst>
+          </p:cNvPr>
+          <p:cNvPicPr>
+            <a:picLocks noChangeAspect="1"/>
+          </p:cNvPicPr>
+          <p:nvPr/>
+        </p:nvPicPr>
+        <p:blipFill>
+          <a:blip r:embed="rId2"/>
+          <a:stretch>
+            <a:fillRect/>
+          </a:stretch>
+        </p:blipFill>
+        <p:spPr>
+          <a:xfrm>
+            <a:off x="2591238" y="3429000"/>
+            <a:ext cx="9525000" cy="3267075"/>
+          </a:xfrm>
+          <a:prstGeom prst="rect">
+            <a:avLst/>
+          </a:prstGeom>
+        </p:spPr>
+      </p:pic>
     </p:spTree>
     <p:extLst>
       <p:ext uri="{BB962C8B-B14F-4D97-AF65-F5344CB8AC3E}">
-        <p14:creationId xmlns:p14="http://schemas.microsoft.com/office/powerpoint/2010/main" val="2455976514"/>
+        <p14:creationId xmlns:p14="http://schemas.microsoft.com/office/powerpoint/2010/main" val="2623749093"/>
       </p:ext>
     </p:extLst>
   </p:cSld>
@@ -58745,7 +58875,7 @@
           <p:cNvPr id="2" name="Title 1">
             <a:extLst>
               <a:ext uri="{FF2B5EF4-FFF2-40B4-BE49-F238E27FC236}">
-                <a16:creationId xmlns:a16="http://schemas.microsoft.com/office/drawing/2014/main" id="{09B96665-E88B-4DFB-901D-E4B56ABC07B1}"/>
+                <a16:creationId xmlns:a16="http://schemas.microsoft.com/office/drawing/2014/main" id="{67947D04-075F-469C-AA7E-0C6FAAD2D5C6}"/>
               </a:ext>
             </a:extLst>
           </p:cNvPr>
@@ -58763,7 +58893,7 @@
           <a:p>
             <a:r>
               <a:rPr lang="en-US" dirty="0"/>
-              <a:t>Singleton II</a:t>
+              <a:t>Singleton</a:t>
             </a:r>
           </a:p>
         </p:txBody>
@@ -58773,7 +58903,7 @@
           <p:cNvPr id="3" name="Text Placeholder 2">
             <a:extLst>
               <a:ext uri="{FF2B5EF4-FFF2-40B4-BE49-F238E27FC236}">
-                <a16:creationId xmlns:a16="http://schemas.microsoft.com/office/drawing/2014/main" id="{A48E6BFC-E36D-4FB5-A0A0-83F6B7F3F0AB}"/>
+                <a16:creationId xmlns:a16="http://schemas.microsoft.com/office/drawing/2014/main" id="{7D2CCC3C-0EAC-4E8C-9F4D-14A8DA8795C9}"/>
               </a:ext>
             </a:extLst>
           </p:cNvPr>
@@ -58787,7 +58917,7 @@
         <p:spPr>
           <a:xfrm>
             <a:off x="586390" y="1434370"/>
-            <a:ext cx="11018520" cy="1982081"/>
+            <a:ext cx="11018520" cy="3447098"/>
           </a:xfrm>
         </p:spPr>
         <p:txBody>
@@ -58796,68 +58926,54 @@
           <a:p>
             <a:r>
               <a:rPr lang="en-US" dirty="0"/>
-              <a:t>Use carefully</a:t>
-            </a:r>
+              <a:t>Only ever one single instance of a given type.</a:t>
+            </a:r>
+          </a:p>
+          <a:p>
+            <a:endParaRPr lang="en-US" dirty="0"/>
           </a:p>
           <a:p>
             <a:r>
               <a:rPr lang="en-US" dirty="0"/>
-              <a:t>Implement using an interface</a:t>
-            </a:r>
-          </a:p>
-          <a:p>
+              <a:t>Considered an anti-pattern by many, it:</a:t>
+            </a:r>
+          </a:p>
+          <a:p>
+            <a:pPr marL="457200" indent="-457200">
+              <a:buFont typeface="Arial" panose="020B0604020202020204" pitchFamily="34" charset="0"/>
+              <a:buChar char="•"/>
+            </a:pPr>
             <a:r>
               <a:rPr lang="en-US" dirty="0"/>
-              <a:t>Use an </a:t>
-            </a:r>
-            <a:r>
-              <a:rPr lang="en-US" dirty="0" err="1"/>
-              <a:t>IoC</a:t>
-            </a:r>
+              <a:t>is overused</a:t>
+            </a:r>
+          </a:p>
+          <a:p>
+            <a:pPr marL="457200" indent="-457200">
+              <a:buFont typeface="Arial" panose="020B0604020202020204" pitchFamily="34" charset="0"/>
+              <a:buChar char="•"/>
+            </a:pPr>
             <a:r>
               <a:rPr lang="en-US" dirty="0"/>
-              <a:t> container</a:t>
-            </a:r>
-          </a:p>
-          <a:p>
-            <a:endParaRPr lang="en-US" dirty="0"/>
-          </a:p>
-        </p:txBody>
-      </p:sp>
-      <p:pic>
-        <p:nvPicPr>
-          <p:cNvPr id="4" name="Picture 3">
-            <a:extLst>
-              <a:ext uri="{FF2B5EF4-FFF2-40B4-BE49-F238E27FC236}">
-                <a16:creationId xmlns:a16="http://schemas.microsoft.com/office/drawing/2014/main" id="{EFCEF226-1653-4BCB-A0EF-112885623ED7}"/>
-              </a:ext>
-            </a:extLst>
-          </p:cNvPr>
-          <p:cNvPicPr>
-            <a:picLocks noChangeAspect="1"/>
-          </p:cNvPicPr>
-          <p:nvPr/>
-        </p:nvPicPr>
-        <p:blipFill>
-          <a:blip r:embed="rId2"/>
-          <a:stretch>
-            <a:fillRect/>
-          </a:stretch>
-        </p:blipFill>
-        <p:spPr>
-          <a:xfrm>
-            <a:off x="2212110" y="3736012"/>
-            <a:ext cx="7767780" cy="2465052"/>
-          </a:xfrm>
-          <a:prstGeom prst="rect">
-            <a:avLst/>
-          </a:prstGeom>
-        </p:spPr>
-      </p:pic>
+              <a:t>introduces unnecessary restrictions in situations where a sole instance of a class is not actually required</a:t>
+            </a:r>
+          </a:p>
+          <a:p>
+            <a:pPr marL="457200" indent="-457200">
+              <a:buFont typeface="Arial" panose="020B0604020202020204" pitchFamily="34" charset="0"/>
+              <a:buChar char="•"/>
+            </a:pPr>
+            <a:r>
+              <a:rPr lang="en-US" dirty="0"/>
+              <a:t>introduces global state into an application</a:t>
+            </a:r>
+          </a:p>
+        </p:txBody>
+      </p:sp>
     </p:spTree>
     <p:extLst>
       <p:ext uri="{BB962C8B-B14F-4D97-AF65-F5344CB8AC3E}">
-        <p14:creationId xmlns:p14="http://schemas.microsoft.com/office/powerpoint/2010/main" val="1988169855"/>
+        <p14:creationId xmlns:p14="http://schemas.microsoft.com/office/powerpoint/2010/main" val="2455976514"/>
       </p:ext>
     </p:extLst>
   </p:cSld>
